--- a/docs/verteidigung/IM_BACHELOR.pptx
+++ b/docs/verteidigung/IM_BACHELOR.pptx
@@ -1,20 +1,20 @@
 
 <file path=ppt/presentation.xml><?xml version="1.0" encoding="utf-8"?>
-<p:presentation xmlns:a="http://schemas.openxmlformats.org/drawingml/2006/main" xmlns:r="http://schemas.openxmlformats.org/officeDocument/2006/relationships" xmlns:mc="http://schemas.openxmlformats.org/markup-compatibility/2006" xmlns:mv="urn:schemas-microsoft-com:mac:vml" xmlns:p="http://schemas.openxmlformats.org/presentationml/2006/main" mc:Ignorable="mv" mc:PreserveAttributes="mv:*" saveSubsetFonts="1" autoCompressPictures="0">
+<p:presentation xmlns:a="http://schemas.openxmlformats.org/drawingml/2006/main" xmlns:r="http://schemas.openxmlformats.org/officeDocument/2006/relationships" xmlns:p="http://schemas.openxmlformats.org/presentationml/2006/main" saveSubsetFonts="1" autoCompressPictures="0">
   <p:sldMasterIdLst>
-    <p:sldMasterId r:id="rId1"/>
+    <p:sldMasterId id="2147483648" r:id="rId1"/>
   </p:sldMasterIdLst>
   <p:sldIdLst>
     <p:sldId id="256" r:id="rId2"/>
   </p:sldIdLst>
-  <p:sldSz cx="30275213" cy="42803763"/>
+  <p:sldSz cx="21405850" cy="30272038"/>
   <p:notesSz cx="6858000" cy="9144000"/>
   <p:defaultTextStyle>
     <a:defPPr>
       <a:defRPr lang="de-DE"/>
     </a:defPPr>
-    <a:lvl1pPr marL="0" algn="l" defTabSz="2087941" rtl="0" eaLnBrk="1" latinLnBrk="0" hangingPunct="1">
-      <a:defRPr sz="8200" kern="1200">
+    <a:lvl1pPr marL="0" algn="l" defTabSz="1476383" rtl="0" eaLnBrk="1" latinLnBrk="0" hangingPunct="1">
+      <a:defRPr sz="5798" kern="1200">
         <a:solidFill>
           <a:schemeClr val="tx1"/>
         </a:solidFill>
@@ -23,8 +23,8 @@
         <a:cs typeface="+mn-cs"/>
       </a:defRPr>
     </a:lvl1pPr>
-    <a:lvl2pPr marL="2087941" algn="l" defTabSz="2087941" rtl="0" eaLnBrk="1" latinLnBrk="0" hangingPunct="1">
-      <a:defRPr sz="8200" kern="1200">
+    <a:lvl2pPr marL="1476383" algn="l" defTabSz="1476383" rtl="0" eaLnBrk="1" latinLnBrk="0" hangingPunct="1">
+      <a:defRPr sz="5798" kern="1200">
         <a:solidFill>
           <a:schemeClr val="tx1"/>
         </a:solidFill>
@@ -33,8 +33,8 @@
         <a:cs typeface="+mn-cs"/>
       </a:defRPr>
     </a:lvl2pPr>
-    <a:lvl3pPr marL="4175882" algn="l" defTabSz="2087941" rtl="0" eaLnBrk="1" latinLnBrk="0" hangingPunct="1">
-      <a:defRPr sz="8200" kern="1200">
+    <a:lvl3pPr marL="2952766" algn="l" defTabSz="1476383" rtl="0" eaLnBrk="1" latinLnBrk="0" hangingPunct="1">
+      <a:defRPr sz="5798" kern="1200">
         <a:solidFill>
           <a:schemeClr val="tx1"/>
         </a:solidFill>
@@ -43,8 +43,8 @@
         <a:cs typeface="+mn-cs"/>
       </a:defRPr>
     </a:lvl3pPr>
-    <a:lvl4pPr marL="6263823" algn="l" defTabSz="2087941" rtl="0" eaLnBrk="1" latinLnBrk="0" hangingPunct="1">
-      <a:defRPr sz="8200" kern="1200">
+    <a:lvl4pPr marL="4429149" algn="l" defTabSz="1476383" rtl="0" eaLnBrk="1" latinLnBrk="0" hangingPunct="1">
+      <a:defRPr sz="5798" kern="1200">
         <a:solidFill>
           <a:schemeClr val="tx1"/>
         </a:solidFill>
@@ -53,8 +53,8 @@
         <a:cs typeface="+mn-cs"/>
       </a:defRPr>
     </a:lvl4pPr>
-    <a:lvl5pPr marL="8351764" algn="l" defTabSz="2087941" rtl="0" eaLnBrk="1" latinLnBrk="0" hangingPunct="1">
-      <a:defRPr sz="8200" kern="1200">
+    <a:lvl5pPr marL="5905532" algn="l" defTabSz="1476383" rtl="0" eaLnBrk="1" latinLnBrk="0" hangingPunct="1">
+      <a:defRPr sz="5798" kern="1200">
         <a:solidFill>
           <a:schemeClr val="tx1"/>
         </a:solidFill>
@@ -63,8 +63,8 @@
         <a:cs typeface="+mn-cs"/>
       </a:defRPr>
     </a:lvl5pPr>
-    <a:lvl6pPr marL="10439705" algn="l" defTabSz="2087941" rtl="0" eaLnBrk="1" latinLnBrk="0" hangingPunct="1">
-      <a:defRPr sz="8200" kern="1200">
+    <a:lvl6pPr marL="7381915" algn="l" defTabSz="1476383" rtl="0" eaLnBrk="1" latinLnBrk="0" hangingPunct="1">
+      <a:defRPr sz="5798" kern="1200">
         <a:solidFill>
           <a:schemeClr val="tx1"/>
         </a:solidFill>
@@ -73,8 +73,8 @@
         <a:cs typeface="+mn-cs"/>
       </a:defRPr>
     </a:lvl6pPr>
-    <a:lvl7pPr marL="12527646" algn="l" defTabSz="2087941" rtl="0" eaLnBrk="1" latinLnBrk="0" hangingPunct="1">
-      <a:defRPr sz="8200" kern="1200">
+    <a:lvl7pPr marL="8858298" algn="l" defTabSz="1476383" rtl="0" eaLnBrk="1" latinLnBrk="0" hangingPunct="1">
+      <a:defRPr sz="5798" kern="1200">
         <a:solidFill>
           <a:schemeClr val="tx1"/>
         </a:solidFill>
@@ -83,8 +83,8 @@
         <a:cs typeface="+mn-cs"/>
       </a:defRPr>
     </a:lvl7pPr>
-    <a:lvl8pPr marL="14615587" algn="l" defTabSz="2087941" rtl="0" eaLnBrk="1" latinLnBrk="0" hangingPunct="1">
-      <a:defRPr sz="8200" kern="1200">
+    <a:lvl8pPr marL="10334682" algn="l" defTabSz="1476383" rtl="0" eaLnBrk="1" latinLnBrk="0" hangingPunct="1">
+      <a:defRPr sz="5798" kern="1200">
         <a:solidFill>
           <a:schemeClr val="tx1"/>
         </a:solidFill>
@@ -93,8 +93,8 @@
         <a:cs typeface="+mn-cs"/>
       </a:defRPr>
     </a:lvl8pPr>
-    <a:lvl9pPr marL="16703528" algn="l" defTabSz="2087941" rtl="0" eaLnBrk="1" latinLnBrk="0" hangingPunct="1">
-      <a:defRPr sz="8200" kern="1200">
+    <a:lvl9pPr marL="11811065" algn="l" defTabSz="1476383" rtl="0" eaLnBrk="1" latinLnBrk="0" hangingPunct="1">
+      <a:defRPr sz="5798" kern="1200">
         <a:solidFill>
           <a:schemeClr val="tx1"/>
         </a:solidFill>
@@ -104,11 +104,31 @@
       </a:defRPr>
     </a:lvl9pPr>
   </p:defaultTextStyle>
+  <p:extLst>
+    <p:ext uri="{EFAFB233-063F-42B5-8137-9DF3F51BA10A}">
+      <p15:sldGuideLst xmlns:p15="http://schemas.microsoft.com/office/powerpoint/2012/main">
+        <p15:guide id="1" orient="horz" pos="9534" userDrawn="1">
+          <p15:clr>
+            <a:srgbClr val="A4A3A4"/>
+          </p15:clr>
+        </p15:guide>
+        <p15:guide id="2" pos="6742" userDrawn="1">
+          <p15:clr>
+            <a:srgbClr val="A4A3A4"/>
+          </p15:clr>
+        </p15:guide>
+      </p15:sldGuideLst>
+    </p:ext>
+  </p:extLst>
 </p:presentation>
 </file>
 
+<file path=ppt/revisionInfo.xml><?xml version="1.0" encoding="utf-8"?>
+<p1510:revInfo xmlns:a="http://schemas.openxmlformats.org/drawingml/2006/main" xmlns:r="http://schemas.openxmlformats.org/officeDocument/2006/relationships" xmlns:p1510="http://schemas.microsoft.com/office/powerpoint/2015/10/main"/>
+</file>
+
 <file path=ppt/slideLayouts/slideLayout1.xml><?xml version="1.0" encoding="utf-8"?>
-<p:sldLayout xmlns:a="http://schemas.openxmlformats.org/drawingml/2006/main" xmlns:r="http://schemas.openxmlformats.org/officeDocument/2006/relationships" xmlns:mc="http://schemas.openxmlformats.org/markup-compatibility/2006" xmlns:mv="urn:schemas-microsoft-com:mac:vml" xmlns:p="http://schemas.openxmlformats.org/presentationml/2006/main" mc:Ignorable="mv" mc:PreserveAttributes="mv:*" type="title" preserve="1">
+<p:sldLayout xmlns:a="http://schemas.openxmlformats.org/drawingml/2006/main" xmlns:r="http://schemas.openxmlformats.org/officeDocument/2006/relationships" xmlns:p="http://schemas.openxmlformats.org/presentationml/2006/main" type="title" preserve="1">
   <p:cSld name="Titelfolie">
     <p:spTree>
       <p:nvGrpSpPr>
@@ -136,8 +156,8 @@
         </p:nvSpPr>
         <p:spPr>
           <a:xfrm>
-            <a:off x="2270641" y="13296913"/>
-            <a:ext cx="25733931" cy="9175066"/>
+            <a:off x="1605439" y="9403955"/>
+            <a:ext cx="18194972" cy="6488867"/>
           </a:xfrm>
         </p:spPr>
         <p:txBody>
@@ -145,10 +165,9 @@
           <a:lstStyle/>
           <a:p>
             <a:r>
-              <a:rPr lang="de-DE" smtClean="0"/>
+              <a:rPr lang="de-DE"/>
               <a:t>Mastertitelformat bearbeiten</a:t>
             </a:r>
-            <a:endParaRPr lang="de-DE"/>
           </a:p>
         </p:txBody>
       </p:sp>
@@ -164,8 +183,8 @@
         </p:nvSpPr>
         <p:spPr>
           <a:xfrm>
-            <a:off x="4541282" y="24255466"/>
-            <a:ext cx="21192649" cy="10938739"/>
+            <a:off x="3210878" y="17154156"/>
+            <a:ext cx="14984095" cy="7736187"/>
           </a:xfrm>
         </p:spPr>
         <p:txBody>
@@ -181,7 +200,7 @@
                 </a:solidFill>
               </a:defRPr>
             </a:lvl1pPr>
-            <a:lvl2pPr marL="2087941" indent="0" algn="ctr">
+            <a:lvl2pPr marL="1476174" indent="0" algn="ctr">
               <a:buNone/>
               <a:defRPr>
                 <a:solidFill>
@@ -191,7 +210,7 @@
                 </a:solidFill>
               </a:defRPr>
             </a:lvl2pPr>
-            <a:lvl3pPr marL="4175882" indent="0" algn="ctr">
+            <a:lvl3pPr marL="2952349" indent="0" algn="ctr">
               <a:buNone/>
               <a:defRPr>
                 <a:solidFill>
@@ -201,7 +220,7 @@
                 </a:solidFill>
               </a:defRPr>
             </a:lvl3pPr>
-            <a:lvl4pPr marL="6263823" indent="0" algn="ctr">
+            <a:lvl4pPr marL="4428523" indent="0" algn="ctr">
               <a:buNone/>
               <a:defRPr>
                 <a:solidFill>
@@ -211,7 +230,7 @@
                 </a:solidFill>
               </a:defRPr>
             </a:lvl4pPr>
-            <a:lvl5pPr marL="8351764" indent="0" algn="ctr">
+            <a:lvl5pPr marL="5904697" indent="0" algn="ctr">
               <a:buNone/>
               <a:defRPr>
                 <a:solidFill>
@@ -221,7 +240,7 @@
                 </a:solidFill>
               </a:defRPr>
             </a:lvl5pPr>
-            <a:lvl6pPr marL="10439705" indent="0" algn="ctr">
+            <a:lvl6pPr marL="7380871" indent="0" algn="ctr">
               <a:buNone/>
               <a:defRPr>
                 <a:solidFill>
@@ -231,7 +250,7 @@
                 </a:solidFill>
               </a:defRPr>
             </a:lvl6pPr>
-            <a:lvl7pPr marL="12527646" indent="0" algn="ctr">
+            <a:lvl7pPr marL="8857046" indent="0" algn="ctr">
               <a:buNone/>
               <a:defRPr>
                 <a:solidFill>
@@ -241,7 +260,7 @@
                 </a:solidFill>
               </a:defRPr>
             </a:lvl7pPr>
-            <a:lvl8pPr marL="14615587" indent="0" algn="ctr">
+            <a:lvl8pPr marL="10333220" indent="0" algn="ctr">
               <a:buNone/>
               <a:defRPr>
                 <a:solidFill>
@@ -251,7 +270,7 @@
                 </a:solidFill>
               </a:defRPr>
             </a:lvl8pPr>
-            <a:lvl9pPr marL="16703528" indent="0" algn="ctr">
+            <a:lvl9pPr marL="11809394" indent="0" algn="ctr">
               <a:buNone/>
               <a:defRPr>
                 <a:solidFill>
@@ -264,10 +283,9 @@
           </a:lstStyle>
           <a:p>
             <a:r>
-              <a:rPr lang="de-DE" smtClean="0"/>
+              <a:rPr lang="de-DE"/>
               <a:t>Master-Untertitelformat bearbeiten</a:t>
             </a:r>
-            <a:endParaRPr lang="de-DE"/>
           </a:p>
         </p:txBody>
       </p:sp>
@@ -288,7 +306,7 @@
           <a:p>
             <a:fld id="{657D396D-FE7A-7944-93B1-A4B3BD3979BA}" type="datetimeFigureOut">
               <a:rPr lang="de-DE" smtClean="0"/>
-              <a:t>29.10.2012</a:t>
+              <a:t>28.01.2018</a:t>
             </a:fld>
             <a:endParaRPr lang="de-DE"/>
           </a:p>
@@ -345,7 +363,7 @@
 </file>
 
 <file path=ppt/slideLayouts/slideLayout10.xml><?xml version="1.0" encoding="utf-8"?>
-<p:sldLayout xmlns:a="http://schemas.openxmlformats.org/drawingml/2006/main" xmlns:r="http://schemas.openxmlformats.org/officeDocument/2006/relationships" xmlns:mc="http://schemas.openxmlformats.org/markup-compatibility/2006" xmlns:mv="urn:schemas-microsoft-com:mac:vml" xmlns:p="http://schemas.openxmlformats.org/presentationml/2006/main" mc:Ignorable="mv" mc:PreserveAttributes="mv:*" type="vertTx" preserve="1">
+<p:sldLayout xmlns:a="http://schemas.openxmlformats.org/drawingml/2006/main" xmlns:r="http://schemas.openxmlformats.org/officeDocument/2006/relationships" xmlns:p="http://schemas.openxmlformats.org/presentationml/2006/main" type="vertTx" preserve="1">
   <p:cSld name="Titel und vertikaler Text">
     <p:spTree>
       <p:nvGrpSpPr>
@@ -377,10 +395,9 @@
           <a:lstStyle/>
           <a:p>
             <a:r>
-              <a:rPr lang="de-DE" smtClean="0"/>
+              <a:rPr lang="de-DE"/>
               <a:t>Mastertitelformat bearbeiten</a:t>
             </a:r>
-            <a:endParaRPr lang="de-DE"/>
           </a:p>
         </p:txBody>
       </p:sp>
@@ -401,38 +418,37 @@
           <a:p>
             <a:pPr lvl="0"/>
             <a:r>
-              <a:rPr lang="de-DE" smtClean="0"/>
+              <a:rPr lang="de-DE"/>
               <a:t>Mastertextformat bearbeiten</a:t>
             </a:r>
           </a:p>
           <a:p>
             <a:pPr lvl="1"/>
             <a:r>
-              <a:rPr lang="de-DE" smtClean="0"/>
+              <a:rPr lang="de-DE"/>
               <a:t>Zweite Ebene</a:t>
             </a:r>
           </a:p>
           <a:p>
             <a:pPr lvl="2"/>
             <a:r>
-              <a:rPr lang="de-DE" smtClean="0"/>
+              <a:rPr lang="de-DE"/>
               <a:t>Dritte Ebene</a:t>
             </a:r>
           </a:p>
           <a:p>
             <a:pPr lvl="3"/>
             <a:r>
-              <a:rPr lang="de-DE" smtClean="0"/>
+              <a:rPr lang="de-DE"/>
               <a:t>Vierte Ebene</a:t>
             </a:r>
           </a:p>
           <a:p>
             <a:pPr lvl="4"/>
             <a:r>
-              <a:rPr lang="de-DE" smtClean="0"/>
+              <a:rPr lang="de-DE"/>
               <a:t>Fünfte Ebene</a:t>
             </a:r>
-            <a:endParaRPr lang="de-DE"/>
           </a:p>
         </p:txBody>
       </p:sp>
@@ -453,7 +469,7 @@
           <a:p>
             <a:fld id="{657D396D-FE7A-7944-93B1-A4B3BD3979BA}" type="datetimeFigureOut">
               <a:rPr lang="de-DE" smtClean="0"/>
-              <a:t>29.10.2012</a:t>
+              <a:t>28.01.2018</a:t>
             </a:fld>
             <a:endParaRPr lang="de-DE"/>
           </a:p>
@@ -510,7 +526,7 @@
 </file>
 
 <file path=ppt/slideLayouts/slideLayout11.xml><?xml version="1.0" encoding="utf-8"?>
-<p:sldLayout xmlns:a="http://schemas.openxmlformats.org/drawingml/2006/main" xmlns:r="http://schemas.openxmlformats.org/officeDocument/2006/relationships" xmlns:mc="http://schemas.openxmlformats.org/markup-compatibility/2006" xmlns:mv="urn:schemas-microsoft-com:mac:vml" xmlns:p="http://schemas.openxmlformats.org/presentationml/2006/main" mc:Ignorable="mv" mc:PreserveAttributes="mv:*" type="vertTitleAndTx" preserve="1">
+<p:sldLayout xmlns:a="http://schemas.openxmlformats.org/drawingml/2006/main" xmlns:r="http://schemas.openxmlformats.org/officeDocument/2006/relationships" xmlns:p="http://schemas.openxmlformats.org/presentationml/2006/main" type="vertTitleAndTx" preserve="1">
   <p:cSld name="Vertikaler Titel und Text">
     <p:spTree>
       <p:nvGrpSpPr>
@@ -538,8 +554,8 @@
         </p:nvSpPr>
         <p:spPr>
           <a:xfrm>
-            <a:off x="72676283" y="10700944"/>
-            <a:ext cx="22548726" cy="227949855"/>
+            <a:off x="51385192" y="7568012"/>
+            <a:ext cx="15942898" cy="161212618"/>
           </a:xfrm>
         </p:spPr>
         <p:txBody>
@@ -547,10 +563,9 @@
           <a:lstStyle/>
           <a:p>
             <a:r>
-              <a:rPr lang="de-DE" smtClean="0"/>
+              <a:rPr lang="de-DE"/>
               <a:t>Mastertitelformat bearbeiten</a:t>
             </a:r>
-            <a:endParaRPr lang="de-DE"/>
           </a:p>
         </p:txBody>
       </p:sp>
@@ -566,8 +581,8 @@
         </p:nvSpPr>
         <p:spPr>
           <a:xfrm>
-            <a:off x="5014332" y="10700944"/>
-            <a:ext cx="67157362" cy="227949855"/>
+            <a:off x="3545344" y="7568012"/>
+            <a:ext cx="47483082" cy="161212618"/>
           </a:xfrm>
         </p:spPr>
         <p:txBody>
@@ -576,38 +591,37 @@
           <a:p>
             <a:pPr lvl="0"/>
             <a:r>
-              <a:rPr lang="de-DE" smtClean="0"/>
+              <a:rPr lang="de-DE"/>
               <a:t>Mastertextformat bearbeiten</a:t>
             </a:r>
           </a:p>
           <a:p>
             <a:pPr lvl="1"/>
             <a:r>
-              <a:rPr lang="de-DE" smtClean="0"/>
+              <a:rPr lang="de-DE"/>
               <a:t>Zweite Ebene</a:t>
             </a:r>
           </a:p>
           <a:p>
             <a:pPr lvl="2"/>
             <a:r>
-              <a:rPr lang="de-DE" smtClean="0"/>
+              <a:rPr lang="de-DE"/>
               <a:t>Dritte Ebene</a:t>
             </a:r>
           </a:p>
           <a:p>
             <a:pPr lvl="3"/>
             <a:r>
-              <a:rPr lang="de-DE" smtClean="0"/>
+              <a:rPr lang="de-DE"/>
               <a:t>Vierte Ebene</a:t>
             </a:r>
           </a:p>
           <a:p>
             <a:pPr lvl="4"/>
             <a:r>
-              <a:rPr lang="de-DE" smtClean="0"/>
+              <a:rPr lang="de-DE"/>
               <a:t>Fünfte Ebene</a:t>
             </a:r>
-            <a:endParaRPr lang="de-DE"/>
           </a:p>
         </p:txBody>
       </p:sp>
@@ -628,7 +642,7 @@
           <a:p>
             <a:fld id="{657D396D-FE7A-7944-93B1-A4B3BD3979BA}" type="datetimeFigureOut">
               <a:rPr lang="de-DE" smtClean="0"/>
-              <a:t>29.10.2012</a:t>
+              <a:t>28.01.2018</a:t>
             </a:fld>
             <a:endParaRPr lang="de-DE"/>
           </a:p>
@@ -685,7 +699,7 @@
 </file>
 
 <file path=ppt/slideLayouts/slideLayout2.xml><?xml version="1.0" encoding="utf-8"?>
-<p:sldLayout xmlns:a="http://schemas.openxmlformats.org/drawingml/2006/main" xmlns:r="http://schemas.openxmlformats.org/officeDocument/2006/relationships" xmlns:mc="http://schemas.openxmlformats.org/markup-compatibility/2006" xmlns:mv="urn:schemas-microsoft-com:mac:vml" xmlns:p="http://schemas.openxmlformats.org/presentationml/2006/main" mc:Ignorable="mv" mc:PreserveAttributes="mv:*" type="obj" preserve="1">
+<p:sldLayout xmlns:a="http://schemas.openxmlformats.org/drawingml/2006/main" xmlns:r="http://schemas.openxmlformats.org/officeDocument/2006/relationships" xmlns:p="http://schemas.openxmlformats.org/presentationml/2006/main" type="obj" preserve="1">
   <p:cSld name="Titel und Inhalt">
     <p:spTree>
       <p:nvGrpSpPr>
@@ -717,10 +731,9 @@
           <a:lstStyle/>
           <a:p>
             <a:r>
-              <a:rPr lang="de-DE" smtClean="0"/>
+              <a:rPr lang="de-DE"/>
               <a:t>Mastertitelformat bearbeiten</a:t>
             </a:r>
-            <a:endParaRPr lang="de-DE"/>
           </a:p>
         </p:txBody>
       </p:sp>
@@ -741,38 +754,37 @@
           <a:p>
             <a:pPr lvl="0"/>
             <a:r>
-              <a:rPr lang="de-DE" smtClean="0"/>
+              <a:rPr lang="de-DE"/>
               <a:t>Mastertextformat bearbeiten</a:t>
             </a:r>
           </a:p>
           <a:p>
             <a:pPr lvl="1"/>
             <a:r>
-              <a:rPr lang="de-DE" smtClean="0"/>
+              <a:rPr lang="de-DE"/>
               <a:t>Zweite Ebene</a:t>
             </a:r>
           </a:p>
           <a:p>
             <a:pPr lvl="2"/>
             <a:r>
-              <a:rPr lang="de-DE" smtClean="0"/>
+              <a:rPr lang="de-DE"/>
               <a:t>Dritte Ebene</a:t>
             </a:r>
           </a:p>
           <a:p>
             <a:pPr lvl="3"/>
             <a:r>
-              <a:rPr lang="de-DE" smtClean="0"/>
+              <a:rPr lang="de-DE"/>
               <a:t>Vierte Ebene</a:t>
             </a:r>
           </a:p>
           <a:p>
             <a:pPr lvl="4"/>
             <a:r>
-              <a:rPr lang="de-DE" smtClean="0"/>
+              <a:rPr lang="de-DE"/>
               <a:t>Fünfte Ebene</a:t>
             </a:r>
-            <a:endParaRPr lang="de-DE"/>
           </a:p>
         </p:txBody>
       </p:sp>
@@ -793,7 +805,7 @@
           <a:p>
             <a:fld id="{657D396D-FE7A-7944-93B1-A4B3BD3979BA}" type="datetimeFigureOut">
               <a:rPr lang="de-DE" smtClean="0"/>
-              <a:t>29.10.2012</a:t>
+              <a:t>28.01.2018</a:t>
             </a:fld>
             <a:endParaRPr lang="de-DE"/>
           </a:p>
@@ -850,7 +862,7 @@
 </file>
 
 <file path=ppt/slideLayouts/slideLayout3.xml><?xml version="1.0" encoding="utf-8"?>
-<p:sldLayout xmlns:a="http://schemas.openxmlformats.org/drawingml/2006/main" xmlns:r="http://schemas.openxmlformats.org/officeDocument/2006/relationships" xmlns:mc="http://schemas.openxmlformats.org/markup-compatibility/2006" xmlns:mv="urn:schemas-microsoft-com:mac:vml" xmlns:p="http://schemas.openxmlformats.org/presentationml/2006/main" mc:Ignorable="mv" mc:PreserveAttributes="mv:*" type="secHead" preserve="1">
+<p:sldLayout xmlns:a="http://schemas.openxmlformats.org/drawingml/2006/main" xmlns:r="http://schemas.openxmlformats.org/officeDocument/2006/relationships" xmlns:p="http://schemas.openxmlformats.org/presentationml/2006/main" type="secHead" preserve="1">
   <p:cSld name="Abschnittsüberschrift">
     <p:spTree>
       <p:nvGrpSpPr>
@@ -878,23 +890,22 @@
         </p:nvSpPr>
         <p:spPr>
           <a:xfrm>
-            <a:off x="2391533" y="27505384"/>
-            <a:ext cx="25733931" cy="8501303"/>
+            <a:off x="1690915" y="19452590"/>
+            <a:ext cx="18194972" cy="6012363"/>
           </a:xfrm>
         </p:spPr>
         <p:txBody>
           <a:bodyPr anchor="t"/>
           <a:lstStyle>
             <a:lvl1pPr algn="l">
-              <a:defRPr sz="18300" b="1" cap="all"/>
+              <a:defRPr sz="12938" b="1" cap="all"/>
             </a:lvl1pPr>
           </a:lstStyle>
           <a:p>
             <a:r>
-              <a:rPr lang="de-DE" smtClean="0"/>
+              <a:rPr lang="de-DE"/>
               <a:t>Mastertitelformat bearbeiten</a:t>
             </a:r>
-            <a:endParaRPr lang="de-DE"/>
           </a:p>
         </p:txBody>
       </p:sp>
@@ -910,8 +921,8 @@
         </p:nvSpPr>
         <p:spPr>
           <a:xfrm>
-            <a:off x="2391533" y="18142064"/>
-            <a:ext cx="25733931" cy="9363320"/>
+            <a:off x="1690915" y="12830583"/>
+            <a:ext cx="18194972" cy="6622006"/>
           </a:xfrm>
         </p:spPr>
         <p:txBody>
@@ -919,7 +930,7 @@
           <a:lstStyle>
             <a:lvl1pPr marL="0" indent="0">
               <a:buNone/>
-              <a:defRPr sz="9100">
+              <a:defRPr sz="6434">
                 <a:solidFill>
                   <a:schemeClr val="tx1">
                     <a:tint val="75000"/>
@@ -927,9 +938,9 @@
                 </a:solidFill>
               </a:defRPr>
             </a:lvl1pPr>
-            <a:lvl2pPr marL="2087941" indent="0">
-              <a:buNone/>
-              <a:defRPr sz="8200">
+            <a:lvl2pPr marL="1476174" indent="0">
+              <a:buNone/>
+              <a:defRPr sz="5797">
                 <a:solidFill>
                   <a:schemeClr val="tx1">
                     <a:tint val="75000"/>
@@ -937,9 +948,9 @@
                 </a:solidFill>
               </a:defRPr>
             </a:lvl2pPr>
-            <a:lvl3pPr marL="4175882" indent="0">
-              <a:buNone/>
-              <a:defRPr sz="7300">
+            <a:lvl3pPr marL="2952349" indent="0">
+              <a:buNone/>
+              <a:defRPr sz="5161">
                 <a:solidFill>
                   <a:schemeClr val="tx1">
                     <a:tint val="75000"/>
@@ -947,9 +958,9 @@
                 </a:solidFill>
               </a:defRPr>
             </a:lvl3pPr>
-            <a:lvl4pPr marL="6263823" indent="0">
-              <a:buNone/>
-              <a:defRPr sz="6400">
+            <a:lvl4pPr marL="4428523" indent="0">
+              <a:buNone/>
+              <a:defRPr sz="4525">
                 <a:solidFill>
                   <a:schemeClr val="tx1">
                     <a:tint val="75000"/>
@@ -957,9 +968,9 @@
                 </a:solidFill>
               </a:defRPr>
             </a:lvl4pPr>
-            <a:lvl5pPr marL="8351764" indent="0">
-              <a:buNone/>
-              <a:defRPr sz="6400">
+            <a:lvl5pPr marL="5904697" indent="0">
+              <a:buNone/>
+              <a:defRPr sz="4525">
                 <a:solidFill>
                   <a:schemeClr val="tx1">
                     <a:tint val="75000"/>
@@ -967,9 +978,9 @@
                 </a:solidFill>
               </a:defRPr>
             </a:lvl5pPr>
-            <a:lvl6pPr marL="10439705" indent="0">
-              <a:buNone/>
-              <a:defRPr sz="6400">
+            <a:lvl6pPr marL="7380871" indent="0">
+              <a:buNone/>
+              <a:defRPr sz="4525">
                 <a:solidFill>
                   <a:schemeClr val="tx1">
                     <a:tint val="75000"/>
@@ -977,9 +988,9 @@
                 </a:solidFill>
               </a:defRPr>
             </a:lvl6pPr>
-            <a:lvl7pPr marL="12527646" indent="0">
-              <a:buNone/>
-              <a:defRPr sz="6400">
+            <a:lvl7pPr marL="8857046" indent="0">
+              <a:buNone/>
+              <a:defRPr sz="4525">
                 <a:solidFill>
                   <a:schemeClr val="tx1">
                     <a:tint val="75000"/>
@@ -987,9 +998,9 @@
                 </a:solidFill>
               </a:defRPr>
             </a:lvl7pPr>
-            <a:lvl8pPr marL="14615587" indent="0">
-              <a:buNone/>
-              <a:defRPr sz="6400">
+            <a:lvl8pPr marL="10333220" indent="0">
+              <a:buNone/>
+              <a:defRPr sz="4525">
                 <a:solidFill>
                   <a:schemeClr val="tx1">
                     <a:tint val="75000"/>
@@ -997,9 +1008,9 @@
                 </a:solidFill>
               </a:defRPr>
             </a:lvl8pPr>
-            <a:lvl9pPr marL="16703528" indent="0">
-              <a:buNone/>
-              <a:defRPr sz="6400">
+            <a:lvl9pPr marL="11809394" indent="0">
+              <a:buNone/>
+              <a:defRPr sz="4525">
                 <a:solidFill>
                   <a:schemeClr val="tx1">
                     <a:tint val="75000"/>
@@ -1011,7 +1022,7 @@
           <a:p>
             <a:pPr lvl="0"/>
             <a:r>
-              <a:rPr lang="de-DE" smtClean="0"/>
+              <a:rPr lang="de-DE"/>
               <a:t>Mastertextformat bearbeiten</a:t>
             </a:r>
           </a:p>
@@ -1034,7 +1045,7 @@
           <a:p>
             <a:fld id="{657D396D-FE7A-7944-93B1-A4B3BD3979BA}" type="datetimeFigureOut">
               <a:rPr lang="de-DE" smtClean="0"/>
-              <a:t>29.10.2012</a:t>
+              <a:t>28.01.2018</a:t>
             </a:fld>
             <a:endParaRPr lang="de-DE"/>
           </a:p>
@@ -1091,7 +1102,7 @@
 </file>
 
 <file path=ppt/slideLayouts/slideLayout4.xml><?xml version="1.0" encoding="utf-8"?>
-<p:sldLayout xmlns:a="http://schemas.openxmlformats.org/drawingml/2006/main" xmlns:r="http://schemas.openxmlformats.org/officeDocument/2006/relationships" xmlns:mc="http://schemas.openxmlformats.org/markup-compatibility/2006" xmlns:mv="urn:schemas-microsoft-com:mac:vml" xmlns:p="http://schemas.openxmlformats.org/presentationml/2006/main" mc:Ignorable="mv" mc:PreserveAttributes="mv:*" type="twoObj" preserve="1">
+<p:sldLayout xmlns:a="http://schemas.openxmlformats.org/drawingml/2006/main" xmlns:r="http://schemas.openxmlformats.org/officeDocument/2006/relationships" xmlns:p="http://schemas.openxmlformats.org/presentationml/2006/main" type="twoObj" preserve="1">
   <p:cSld name="Zwei Inhalte">
     <p:spTree>
       <p:nvGrpSpPr>
@@ -1123,10 +1134,9 @@
           <a:lstStyle/>
           <a:p>
             <a:r>
-              <a:rPr lang="de-DE" smtClean="0"/>
+              <a:rPr lang="de-DE"/>
               <a:t>Mastertitelformat bearbeiten</a:t>
             </a:r>
-            <a:endParaRPr lang="de-DE"/>
           </a:p>
         </p:txBody>
       </p:sp>
@@ -1142,76 +1152,75 @@
         </p:nvSpPr>
         <p:spPr>
           <a:xfrm>
-            <a:off x="5014332" y="62332983"/>
-            <a:ext cx="44850417" cy="176317812"/>
+            <a:off x="3545344" y="44083658"/>
+            <a:ext cx="31711133" cy="124696969"/>
           </a:xfrm>
         </p:spPr>
         <p:txBody>
           <a:bodyPr/>
           <a:lstStyle>
             <a:lvl1pPr>
-              <a:defRPr sz="12800"/>
+              <a:defRPr sz="9050"/>
             </a:lvl1pPr>
             <a:lvl2pPr>
-              <a:defRPr sz="11000"/>
+              <a:defRPr sz="7777"/>
             </a:lvl2pPr>
             <a:lvl3pPr>
-              <a:defRPr sz="9100"/>
+              <a:defRPr sz="6434"/>
             </a:lvl3pPr>
             <a:lvl4pPr>
-              <a:defRPr sz="8200"/>
+              <a:defRPr sz="5797"/>
             </a:lvl4pPr>
             <a:lvl5pPr>
-              <a:defRPr sz="8200"/>
+              <a:defRPr sz="5797"/>
             </a:lvl5pPr>
             <a:lvl6pPr>
-              <a:defRPr sz="8200"/>
+              <a:defRPr sz="5797"/>
             </a:lvl6pPr>
             <a:lvl7pPr>
-              <a:defRPr sz="8200"/>
+              <a:defRPr sz="5797"/>
             </a:lvl7pPr>
             <a:lvl8pPr>
-              <a:defRPr sz="8200"/>
+              <a:defRPr sz="5797"/>
             </a:lvl8pPr>
             <a:lvl9pPr>
-              <a:defRPr sz="8200"/>
+              <a:defRPr sz="5797"/>
             </a:lvl9pPr>
           </a:lstStyle>
           <a:p>
             <a:pPr lvl="0"/>
             <a:r>
-              <a:rPr lang="de-DE" smtClean="0"/>
+              <a:rPr lang="de-DE"/>
               <a:t>Mastertextformat bearbeiten</a:t>
             </a:r>
           </a:p>
           <a:p>
             <a:pPr lvl="1"/>
             <a:r>
-              <a:rPr lang="de-DE" smtClean="0"/>
+              <a:rPr lang="de-DE"/>
               <a:t>Zweite Ebene</a:t>
             </a:r>
           </a:p>
           <a:p>
             <a:pPr lvl="2"/>
             <a:r>
-              <a:rPr lang="de-DE" smtClean="0"/>
+              <a:rPr lang="de-DE"/>
               <a:t>Dritte Ebene</a:t>
             </a:r>
           </a:p>
           <a:p>
             <a:pPr lvl="3"/>
             <a:r>
-              <a:rPr lang="de-DE" smtClean="0"/>
+              <a:rPr lang="de-DE"/>
               <a:t>Vierte Ebene</a:t>
             </a:r>
           </a:p>
           <a:p>
             <a:pPr lvl="4"/>
             <a:r>
-              <a:rPr lang="de-DE" smtClean="0"/>
+              <a:rPr lang="de-DE"/>
               <a:t>Fünfte Ebene</a:t>
             </a:r>
-            <a:endParaRPr lang="de-DE"/>
           </a:p>
         </p:txBody>
       </p:sp>
@@ -1227,76 +1236,75 @@
         </p:nvSpPr>
         <p:spPr>
           <a:xfrm>
-            <a:off x="50369338" y="62332983"/>
-            <a:ext cx="44855671" cy="176317812"/>
+            <a:off x="35613242" y="44083658"/>
+            <a:ext cx="31714848" cy="124696969"/>
           </a:xfrm>
         </p:spPr>
         <p:txBody>
           <a:bodyPr/>
           <a:lstStyle>
             <a:lvl1pPr>
-              <a:defRPr sz="12800"/>
+              <a:defRPr sz="9050"/>
             </a:lvl1pPr>
             <a:lvl2pPr>
-              <a:defRPr sz="11000"/>
+              <a:defRPr sz="7777"/>
             </a:lvl2pPr>
             <a:lvl3pPr>
-              <a:defRPr sz="9100"/>
+              <a:defRPr sz="6434"/>
             </a:lvl3pPr>
             <a:lvl4pPr>
-              <a:defRPr sz="8200"/>
+              <a:defRPr sz="5797"/>
             </a:lvl4pPr>
             <a:lvl5pPr>
-              <a:defRPr sz="8200"/>
+              <a:defRPr sz="5797"/>
             </a:lvl5pPr>
             <a:lvl6pPr>
-              <a:defRPr sz="8200"/>
+              <a:defRPr sz="5797"/>
             </a:lvl6pPr>
             <a:lvl7pPr>
-              <a:defRPr sz="8200"/>
+              <a:defRPr sz="5797"/>
             </a:lvl7pPr>
             <a:lvl8pPr>
-              <a:defRPr sz="8200"/>
+              <a:defRPr sz="5797"/>
             </a:lvl8pPr>
             <a:lvl9pPr>
-              <a:defRPr sz="8200"/>
+              <a:defRPr sz="5797"/>
             </a:lvl9pPr>
           </a:lstStyle>
           <a:p>
             <a:pPr lvl="0"/>
             <a:r>
-              <a:rPr lang="de-DE" smtClean="0"/>
+              <a:rPr lang="de-DE"/>
               <a:t>Mastertextformat bearbeiten</a:t>
             </a:r>
           </a:p>
           <a:p>
             <a:pPr lvl="1"/>
             <a:r>
-              <a:rPr lang="de-DE" smtClean="0"/>
+              <a:rPr lang="de-DE"/>
               <a:t>Zweite Ebene</a:t>
             </a:r>
           </a:p>
           <a:p>
             <a:pPr lvl="2"/>
             <a:r>
-              <a:rPr lang="de-DE" smtClean="0"/>
+              <a:rPr lang="de-DE"/>
               <a:t>Dritte Ebene</a:t>
             </a:r>
           </a:p>
           <a:p>
             <a:pPr lvl="3"/>
             <a:r>
-              <a:rPr lang="de-DE" smtClean="0"/>
+              <a:rPr lang="de-DE"/>
               <a:t>Vierte Ebene</a:t>
             </a:r>
           </a:p>
           <a:p>
             <a:pPr lvl="4"/>
             <a:r>
-              <a:rPr lang="de-DE" smtClean="0"/>
+              <a:rPr lang="de-DE"/>
               <a:t>Fünfte Ebene</a:t>
             </a:r>
-            <a:endParaRPr lang="de-DE"/>
           </a:p>
         </p:txBody>
       </p:sp>
@@ -1317,7 +1325,7 @@
           <a:p>
             <a:fld id="{657D396D-FE7A-7944-93B1-A4B3BD3979BA}" type="datetimeFigureOut">
               <a:rPr lang="de-DE" smtClean="0"/>
-              <a:t>29.10.2012</a:t>
+              <a:t>28.01.2018</a:t>
             </a:fld>
             <a:endParaRPr lang="de-DE"/>
           </a:p>
@@ -1374,7 +1382,7 @@
 </file>
 
 <file path=ppt/slideLayouts/slideLayout5.xml><?xml version="1.0" encoding="utf-8"?>
-<p:sldLayout xmlns:a="http://schemas.openxmlformats.org/drawingml/2006/main" xmlns:r="http://schemas.openxmlformats.org/officeDocument/2006/relationships" xmlns:mc="http://schemas.openxmlformats.org/markup-compatibility/2006" xmlns:mv="urn:schemas-microsoft-com:mac:vml" xmlns:p="http://schemas.openxmlformats.org/presentationml/2006/main" mc:Ignorable="mv" mc:PreserveAttributes="mv:*" type="twoTxTwoObj" preserve="1">
+<p:sldLayout xmlns:a="http://schemas.openxmlformats.org/drawingml/2006/main" xmlns:r="http://schemas.openxmlformats.org/officeDocument/2006/relationships" xmlns:p="http://schemas.openxmlformats.org/presentationml/2006/main" type="twoTxTwoObj" preserve="1">
   <p:cSld name="Vergleich">
     <p:spTree>
       <p:nvGrpSpPr>
@@ -1402,8 +1410,8 @@
         </p:nvSpPr>
         <p:spPr>
           <a:xfrm>
-            <a:off x="1513761" y="1714135"/>
-            <a:ext cx="27247692" cy="7133961"/>
+            <a:off x="1070293" y="1212285"/>
+            <a:ext cx="19265265" cy="5045340"/>
           </a:xfrm>
         </p:spPr>
         <p:txBody>
@@ -1415,10 +1423,9 @@
           </a:lstStyle>
           <a:p>
             <a:r>
-              <a:rPr lang="de-DE" smtClean="0"/>
+              <a:rPr lang="de-DE"/>
               <a:t>Mastertitelformat bearbeiten</a:t>
             </a:r>
-            <a:endParaRPr lang="de-DE"/>
           </a:p>
         </p:txBody>
       </p:sp>
@@ -1434,8 +1441,8 @@
         </p:nvSpPr>
         <p:spPr>
           <a:xfrm>
-            <a:off x="1513761" y="9581308"/>
-            <a:ext cx="13376810" cy="3993033"/>
+            <a:off x="1070293" y="6776174"/>
+            <a:ext cx="9457968" cy="2823986"/>
           </a:xfrm>
         </p:spPr>
         <p:txBody>
@@ -1443,45 +1450,45 @@
           <a:lstStyle>
             <a:lvl1pPr marL="0" indent="0">
               <a:buNone/>
-              <a:defRPr sz="11000" b="1"/>
+              <a:defRPr sz="7777" b="1"/>
             </a:lvl1pPr>
-            <a:lvl2pPr marL="2087941" indent="0">
-              <a:buNone/>
-              <a:defRPr sz="9100" b="1"/>
+            <a:lvl2pPr marL="1476174" indent="0">
+              <a:buNone/>
+              <a:defRPr sz="6434" b="1"/>
             </a:lvl2pPr>
-            <a:lvl3pPr marL="4175882" indent="0">
-              <a:buNone/>
-              <a:defRPr sz="8200" b="1"/>
+            <a:lvl3pPr marL="2952349" indent="0">
+              <a:buNone/>
+              <a:defRPr sz="5797" b="1"/>
             </a:lvl3pPr>
-            <a:lvl4pPr marL="6263823" indent="0">
-              <a:buNone/>
-              <a:defRPr sz="7300" b="1"/>
+            <a:lvl4pPr marL="4428523" indent="0">
+              <a:buNone/>
+              <a:defRPr sz="5161" b="1"/>
             </a:lvl4pPr>
-            <a:lvl5pPr marL="8351764" indent="0">
-              <a:buNone/>
-              <a:defRPr sz="7300" b="1"/>
+            <a:lvl5pPr marL="5904697" indent="0">
+              <a:buNone/>
+              <a:defRPr sz="5161" b="1"/>
             </a:lvl5pPr>
-            <a:lvl6pPr marL="10439705" indent="0">
-              <a:buNone/>
-              <a:defRPr sz="7300" b="1"/>
+            <a:lvl6pPr marL="7380871" indent="0">
+              <a:buNone/>
+              <a:defRPr sz="5161" b="1"/>
             </a:lvl6pPr>
-            <a:lvl7pPr marL="12527646" indent="0">
-              <a:buNone/>
-              <a:defRPr sz="7300" b="1"/>
+            <a:lvl7pPr marL="8857046" indent="0">
+              <a:buNone/>
+              <a:defRPr sz="5161" b="1"/>
             </a:lvl7pPr>
-            <a:lvl8pPr marL="14615587" indent="0">
-              <a:buNone/>
-              <a:defRPr sz="7300" b="1"/>
+            <a:lvl8pPr marL="10333220" indent="0">
+              <a:buNone/>
+              <a:defRPr sz="5161" b="1"/>
             </a:lvl8pPr>
-            <a:lvl9pPr marL="16703528" indent="0">
-              <a:buNone/>
-              <a:defRPr sz="7300" b="1"/>
+            <a:lvl9pPr marL="11809394" indent="0">
+              <a:buNone/>
+              <a:defRPr sz="5161" b="1"/>
             </a:lvl9pPr>
           </a:lstStyle>
           <a:p>
             <a:pPr lvl="0"/>
             <a:r>
-              <a:rPr lang="de-DE" smtClean="0"/>
+              <a:rPr lang="de-DE"/>
               <a:t>Mastertextformat bearbeiten</a:t>
             </a:r>
           </a:p>
@@ -1499,76 +1506,75 @@
         </p:nvSpPr>
         <p:spPr>
           <a:xfrm>
-            <a:off x="1513761" y="13574342"/>
-            <a:ext cx="13376810" cy="24661708"/>
+            <a:off x="1070293" y="9600161"/>
+            <a:ext cx="9457968" cy="17441461"/>
           </a:xfrm>
         </p:spPr>
         <p:txBody>
           <a:bodyPr/>
           <a:lstStyle>
             <a:lvl1pPr>
-              <a:defRPr sz="11000"/>
+              <a:defRPr sz="7777"/>
             </a:lvl1pPr>
             <a:lvl2pPr>
-              <a:defRPr sz="9100"/>
+              <a:defRPr sz="6434"/>
             </a:lvl2pPr>
             <a:lvl3pPr>
-              <a:defRPr sz="8200"/>
+              <a:defRPr sz="5797"/>
             </a:lvl3pPr>
             <a:lvl4pPr>
-              <a:defRPr sz="7300"/>
+              <a:defRPr sz="5161"/>
             </a:lvl4pPr>
             <a:lvl5pPr>
-              <a:defRPr sz="7300"/>
+              <a:defRPr sz="5161"/>
             </a:lvl5pPr>
             <a:lvl6pPr>
-              <a:defRPr sz="7300"/>
+              <a:defRPr sz="5161"/>
             </a:lvl6pPr>
             <a:lvl7pPr>
-              <a:defRPr sz="7300"/>
+              <a:defRPr sz="5161"/>
             </a:lvl7pPr>
             <a:lvl8pPr>
-              <a:defRPr sz="7300"/>
+              <a:defRPr sz="5161"/>
             </a:lvl8pPr>
             <a:lvl9pPr>
-              <a:defRPr sz="7300"/>
+              <a:defRPr sz="5161"/>
             </a:lvl9pPr>
           </a:lstStyle>
           <a:p>
             <a:pPr lvl="0"/>
             <a:r>
-              <a:rPr lang="de-DE" smtClean="0"/>
+              <a:rPr lang="de-DE"/>
               <a:t>Mastertextformat bearbeiten</a:t>
             </a:r>
           </a:p>
           <a:p>
             <a:pPr lvl="1"/>
             <a:r>
-              <a:rPr lang="de-DE" smtClean="0"/>
+              <a:rPr lang="de-DE"/>
               <a:t>Zweite Ebene</a:t>
             </a:r>
           </a:p>
           <a:p>
             <a:pPr lvl="2"/>
             <a:r>
-              <a:rPr lang="de-DE" smtClean="0"/>
+              <a:rPr lang="de-DE"/>
               <a:t>Dritte Ebene</a:t>
             </a:r>
           </a:p>
           <a:p>
             <a:pPr lvl="3"/>
             <a:r>
-              <a:rPr lang="de-DE" smtClean="0"/>
+              <a:rPr lang="de-DE"/>
               <a:t>Vierte Ebene</a:t>
             </a:r>
           </a:p>
           <a:p>
             <a:pPr lvl="4"/>
             <a:r>
-              <a:rPr lang="de-DE" smtClean="0"/>
+              <a:rPr lang="de-DE"/>
               <a:t>Fünfte Ebene</a:t>
             </a:r>
-            <a:endParaRPr lang="de-DE"/>
           </a:p>
         </p:txBody>
       </p:sp>
@@ -1584,8 +1590,8 @@
         </p:nvSpPr>
         <p:spPr>
           <a:xfrm>
-            <a:off x="15379389" y="9581308"/>
-            <a:ext cx="13382065" cy="3993033"/>
+            <a:off x="10873876" y="6776174"/>
+            <a:ext cx="9461683" cy="2823986"/>
           </a:xfrm>
         </p:spPr>
         <p:txBody>
@@ -1593,45 +1599,45 @@
           <a:lstStyle>
             <a:lvl1pPr marL="0" indent="0">
               <a:buNone/>
-              <a:defRPr sz="11000" b="1"/>
+              <a:defRPr sz="7777" b="1"/>
             </a:lvl1pPr>
-            <a:lvl2pPr marL="2087941" indent="0">
-              <a:buNone/>
-              <a:defRPr sz="9100" b="1"/>
+            <a:lvl2pPr marL="1476174" indent="0">
+              <a:buNone/>
+              <a:defRPr sz="6434" b="1"/>
             </a:lvl2pPr>
-            <a:lvl3pPr marL="4175882" indent="0">
-              <a:buNone/>
-              <a:defRPr sz="8200" b="1"/>
+            <a:lvl3pPr marL="2952349" indent="0">
+              <a:buNone/>
+              <a:defRPr sz="5797" b="1"/>
             </a:lvl3pPr>
-            <a:lvl4pPr marL="6263823" indent="0">
-              <a:buNone/>
-              <a:defRPr sz="7300" b="1"/>
+            <a:lvl4pPr marL="4428523" indent="0">
+              <a:buNone/>
+              <a:defRPr sz="5161" b="1"/>
             </a:lvl4pPr>
-            <a:lvl5pPr marL="8351764" indent="0">
-              <a:buNone/>
-              <a:defRPr sz="7300" b="1"/>
+            <a:lvl5pPr marL="5904697" indent="0">
+              <a:buNone/>
+              <a:defRPr sz="5161" b="1"/>
             </a:lvl5pPr>
-            <a:lvl6pPr marL="10439705" indent="0">
-              <a:buNone/>
-              <a:defRPr sz="7300" b="1"/>
+            <a:lvl6pPr marL="7380871" indent="0">
+              <a:buNone/>
+              <a:defRPr sz="5161" b="1"/>
             </a:lvl6pPr>
-            <a:lvl7pPr marL="12527646" indent="0">
-              <a:buNone/>
-              <a:defRPr sz="7300" b="1"/>
+            <a:lvl7pPr marL="8857046" indent="0">
+              <a:buNone/>
+              <a:defRPr sz="5161" b="1"/>
             </a:lvl7pPr>
-            <a:lvl8pPr marL="14615587" indent="0">
-              <a:buNone/>
-              <a:defRPr sz="7300" b="1"/>
+            <a:lvl8pPr marL="10333220" indent="0">
+              <a:buNone/>
+              <a:defRPr sz="5161" b="1"/>
             </a:lvl8pPr>
-            <a:lvl9pPr marL="16703528" indent="0">
-              <a:buNone/>
-              <a:defRPr sz="7300" b="1"/>
+            <a:lvl9pPr marL="11809394" indent="0">
+              <a:buNone/>
+              <a:defRPr sz="5161" b="1"/>
             </a:lvl9pPr>
           </a:lstStyle>
           <a:p>
             <a:pPr lvl="0"/>
             <a:r>
-              <a:rPr lang="de-DE" smtClean="0"/>
+              <a:rPr lang="de-DE"/>
               <a:t>Mastertextformat bearbeiten</a:t>
             </a:r>
           </a:p>
@@ -1649,76 +1655,75 @@
         </p:nvSpPr>
         <p:spPr>
           <a:xfrm>
-            <a:off x="15379389" y="13574342"/>
-            <a:ext cx="13382065" cy="24661708"/>
+            <a:off x="10873876" y="9600161"/>
+            <a:ext cx="9461683" cy="17441461"/>
           </a:xfrm>
         </p:spPr>
         <p:txBody>
           <a:bodyPr/>
           <a:lstStyle>
             <a:lvl1pPr>
-              <a:defRPr sz="11000"/>
+              <a:defRPr sz="7777"/>
             </a:lvl1pPr>
             <a:lvl2pPr>
-              <a:defRPr sz="9100"/>
+              <a:defRPr sz="6434"/>
             </a:lvl2pPr>
             <a:lvl3pPr>
-              <a:defRPr sz="8200"/>
+              <a:defRPr sz="5797"/>
             </a:lvl3pPr>
             <a:lvl4pPr>
-              <a:defRPr sz="7300"/>
+              <a:defRPr sz="5161"/>
             </a:lvl4pPr>
             <a:lvl5pPr>
-              <a:defRPr sz="7300"/>
+              <a:defRPr sz="5161"/>
             </a:lvl5pPr>
             <a:lvl6pPr>
-              <a:defRPr sz="7300"/>
+              <a:defRPr sz="5161"/>
             </a:lvl6pPr>
             <a:lvl7pPr>
-              <a:defRPr sz="7300"/>
+              <a:defRPr sz="5161"/>
             </a:lvl7pPr>
             <a:lvl8pPr>
-              <a:defRPr sz="7300"/>
+              <a:defRPr sz="5161"/>
             </a:lvl8pPr>
             <a:lvl9pPr>
-              <a:defRPr sz="7300"/>
+              <a:defRPr sz="5161"/>
             </a:lvl9pPr>
           </a:lstStyle>
           <a:p>
             <a:pPr lvl="0"/>
             <a:r>
-              <a:rPr lang="de-DE" smtClean="0"/>
+              <a:rPr lang="de-DE"/>
               <a:t>Mastertextformat bearbeiten</a:t>
             </a:r>
           </a:p>
           <a:p>
             <a:pPr lvl="1"/>
             <a:r>
-              <a:rPr lang="de-DE" smtClean="0"/>
+              <a:rPr lang="de-DE"/>
               <a:t>Zweite Ebene</a:t>
             </a:r>
           </a:p>
           <a:p>
             <a:pPr lvl="2"/>
             <a:r>
-              <a:rPr lang="de-DE" smtClean="0"/>
+              <a:rPr lang="de-DE"/>
               <a:t>Dritte Ebene</a:t>
             </a:r>
           </a:p>
           <a:p>
             <a:pPr lvl="3"/>
             <a:r>
-              <a:rPr lang="de-DE" smtClean="0"/>
+              <a:rPr lang="de-DE"/>
               <a:t>Vierte Ebene</a:t>
             </a:r>
           </a:p>
           <a:p>
             <a:pPr lvl="4"/>
             <a:r>
-              <a:rPr lang="de-DE" smtClean="0"/>
+              <a:rPr lang="de-DE"/>
               <a:t>Fünfte Ebene</a:t>
             </a:r>
-            <a:endParaRPr lang="de-DE"/>
           </a:p>
         </p:txBody>
       </p:sp>
@@ -1739,7 +1744,7 @@
           <a:p>
             <a:fld id="{657D396D-FE7A-7944-93B1-A4B3BD3979BA}" type="datetimeFigureOut">
               <a:rPr lang="de-DE" smtClean="0"/>
-              <a:t>29.10.2012</a:t>
+              <a:t>28.01.2018</a:t>
             </a:fld>
             <a:endParaRPr lang="de-DE"/>
           </a:p>
@@ -1796,7 +1801,7 @@
 </file>
 
 <file path=ppt/slideLayouts/slideLayout6.xml><?xml version="1.0" encoding="utf-8"?>
-<p:sldLayout xmlns:a="http://schemas.openxmlformats.org/drawingml/2006/main" xmlns:r="http://schemas.openxmlformats.org/officeDocument/2006/relationships" xmlns:mc="http://schemas.openxmlformats.org/markup-compatibility/2006" xmlns:mv="urn:schemas-microsoft-com:mac:vml" xmlns:p="http://schemas.openxmlformats.org/presentationml/2006/main" mc:Ignorable="mv" mc:PreserveAttributes="mv:*" type="titleOnly" preserve="1">
+<p:sldLayout xmlns:a="http://schemas.openxmlformats.org/drawingml/2006/main" xmlns:r="http://schemas.openxmlformats.org/officeDocument/2006/relationships" xmlns:p="http://schemas.openxmlformats.org/presentationml/2006/main" type="titleOnly" preserve="1">
   <p:cSld name="Nur Titel">
     <p:spTree>
       <p:nvGrpSpPr>
@@ -1828,10 +1833,9 @@
           <a:lstStyle/>
           <a:p>
             <a:r>
-              <a:rPr lang="de-DE" smtClean="0"/>
+              <a:rPr lang="de-DE"/>
               <a:t>Mastertitelformat bearbeiten</a:t>
             </a:r>
-            <a:endParaRPr lang="de-DE"/>
           </a:p>
         </p:txBody>
       </p:sp>
@@ -1852,7 +1856,7 @@
           <a:p>
             <a:fld id="{657D396D-FE7A-7944-93B1-A4B3BD3979BA}" type="datetimeFigureOut">
               <a:rPr lang="de-DE" smtClean="0"/>
-              <a:t>29.10.2012</a:t>
+              <a:t>28.01.2018</a:t>
             </a:fld>
             <a:endParaRPr lang="de-DE"/>
           </a:p>
@@ -1909,7 +1913,7 @@
 </file>
 
 <file path=ppt/slideLayouts/slideLayout7.xml><?xml version="1.0" encoding="utf-8"?>
-<p:sldLayout xmlns:a="http://schemas.openxmlformats.org/drawingml/2006/main" xmlns:r="http://schemas.openxmlformats.org/officeDocument/2006/relationships" xmlns:mc="http://schemas.openxmlformats.org/markup-compatibility/2006" xmlns:mv="urn:schemas-microsoft-com:mac:vml" xmlns:p="http://schemas.openxmlformats.org/presentationml/2006/main" mc:Ignorable="mv" mc:PreserveAttributes="mv:*" type="blank" preserve="1">
+<p:sldLayout xmlns:a="http://schemas.openxmlformats.org/drawingml/2006/main" xmlns:r="http://schemas.openxmlformats.org/officeDocument/2006/relationships" xmlns:p="http://schemas.openxmlformats.org/presentationml/2006/main" type="blank" preserve="1">
   <p:cSld name="Leer">
     <p:spTree>
       <p:nvGrpSpPr>
@@ -1942,7 +1946,7 @@
           <a:p>
             <a:fld id="{657D396D-FE7A-7944-93B1-A4B3BD3979BA}" type="datetimeFigureOut">
               <a:rPr lang="de-DE" smtClean="0"/>
-              <a:t>29.10.2012</a:t>
+              <a:t>28.01.2018</a:t>
             </a:fld>
             <a:endParaRPr lang="de-DE"/>
           </a:p>
@@ -1999,7 +2003,7 @@
 </file>
 
 <file path=ppt/slideLayouts/slideLayout8.xml><?xml version="1.0" encoding="utf-8"?>
-<p:sldLayout xmlns:a="http://schemas.openxmlformats.org/drawingml/2006/main" xmlns:r="http://schemas.openxmlformats.org/officeDocument/2006/relationships" xmlns:mc="http://schemas.openxmlformats.org/markup-compatibility/2006" xmlns:mv="urn:schemas-microsoft-com:mac:vml" xmlns:p="http://schemas.openxmlformats.org/presentationml/2006/main" mc:Ignorable="mv" mc:PreserveAttributes="mv:*" type="objTx" preserve="1">
+<p:sldLayout xmlns:a="http://schemas.openxmlformats.org/drawingml/2006/main" xmlns:r="http://schemas.openxmlformats.org/officeDocument/2006/relationships" xmlns:p="http://schemas.openxmlformats.org/presentationml/2006/main" type="objTx" preserve="1">
   <p:cSld name="Inhalt mit Beschriftung">
     <p:spTree>
       <p:nvGrpSpPr>
@@ -2027,23 +2031,22 @@
         </p:nvSpPr>
         <p:spPr>
           <a:xfrm>
-            <a:off x="1513763" y="1704224"/>
-            <a:ext cx="9960336" cy="7252860"/>
+            <a:off x="1070294" y="1205276"/>
+            <a:ext cx="7042377" cy="5129429"/>
           </a:xfrm>
         </p:spPr>
         <p:txBody>
           <a:bodyPr anchor="b"/>
           <a:lstStyle>
             <a:lvl1pPr algn="l">
-              <a:defRPr sz="9100" b="1"/>
+              <a:defRPr sz="6434" b="1"/>
             </a:lvl1pPr>
           </a:lstStyle>
           <a:p>
             <a:r>
-              <a:rPr lang="de-DE" smtClean="0"/>
+              <a:rPr lang="de-DE"/>
               <a:t>Mastertitelformat bearbeiten</a:t>
             </a:r>
-            <a:endParaRPr lang="de-DE"/>
           </a:p>
         </p:txBody>
       </p:sp>
@@ -2059,76 +2062,75 @@
         </p:nvSpPr>
         <p:spPr>
           <a:xfrm>
-            <a:off x="11836767" y="1704227"/>
-            <a:ext cx="16924685" cy="36531826"/>
+            <a:off x="8369093" y="1205278"/>
+            <a:ext cx="11966465" cy="25836346"/>
           </a:xfrm>
         </p:spPr>
         <p:txBody>
           <a:bodyPr/>
           <a:lstStyle>
             <a:lvl1pPr>
-              <a:defRPr sz="14600"/>
+              <a:defRPr sz="10322"/>
             </a:lvl1pPr>
             <a:lvl2pPr>
-              <a:defRPr sz="12800"/>
+              <a:defRPr sz="9050"/>
             </a:lvl2pPr>
             <a:lvl3pPr>
-              <a:defRPr sz="11000"/>
+              <a:defRPr sz="7777"/>
             </a:lvl3pPr>
             <a:lvl4pPr>
-              <a:defRPr sz="9100"/>
+              <a:defRPr sz="6434"/>
             </a:lvl4pPr>
             <a:lvl5pPr>
-              <a:defRPr sz="9100"/>
+              <a:defRPr sz="6434"/>
             </a:lvl5pPr>
             <a:lvl6pPr>
-              <a:defRPr sz="9100"/>
+              <a:defRPr sz="6434"/>
             </a:lvl6pPr>
             <a:lvl7pPr>
-              <a:defRPr sz="9100"/>
+              <a:defRPr sz="6434"/>
             </a:lvl7pPr>
             <a:lvl8pPr>
-              <a:defRPr sz="9100"/>
+              <a:defRPr sz="6434"/>
             </a:lvl8pPr>
             <a:lvl9pPr>
-              <a:defRPr sz="9100"/>
+              <a:defRPr sz="6434"/>
             </a:lvl9pPr>
           </a:lstStyle>
           <a:p>
             <a:pPr lvl="0"/>
             <a:r>
-              <a:rPr lang="de-DE" smtClean="0"/>
+              <a:rPr lang="de-DE"/>
               <a:t>Mastertextformat bearbeiten</a:t>
             </a:r>
           </a:p>
           <a:p>
             <a:pPr lvl="1"/>
             <a:r>
-              <a:rPr lang="de-DE" smtClean="0"/>
+              <a:rPr lang="de-DE"/>
               <a:t>Zweite Ebene</a:t>
             </a:r>
           </a:p>
           <a:p>
             <a:pPr lvl="2"/>
             <a:r>
-              <a:rPr lang="de-DE" smtClean="0"/>
+              <a:rPr lang="de-DE"/>
               <a:t>Dritte Ebene</a:t>
             </a:r>
           </a:p>
           <a:p>
             <a:pPr lvl="3"/>
             <a:r>
-              <a:rPr lang="de-DE" smtClean="0"/>
+              <a:rPr lang="de-DE"/>
               <a:t>Vierte Ebene</a:t>
             </a:r>
           </a:p>
           <a:p>
             <a:pPr lvl="4"/>
             <a:r>
-              <a:rPr lang="de-DE" smtClean="0"/>
+              <a:rPr lang="de-DE"/>
               <a:t>Fünfte Ebene</a:t>
             </a:r>
-            <a:endParaRPr lang="de-DE"/>
           </a:p>
         </p:txBody>
       </p:sp>
@@ -2144,8 +2146,8 @@
         </p:nvSpPr>
         <p:spPr>
           <a:xfrm>
-            <a:off x="1513763" y="8957087"/>
-            <a:ext cx="9960336" cy="29278966"/>
+            <a:off x="1070294" y="6334707"/>
+            <a:ext cx="7042377" cy="20706917"/>
           </a:xfrm>
         </p:spPr>
         <p:txBody>
@@ -2153,45 +2155,45 @@
           <a:lstStyle>
             <a:lvl1pPr marL="0" indent="0">
               <a:buNone/>
-              <a:defRPr sz="6400"/>
+              <a:defRPr sz="4525"/>
             </a:lvl1pPr>
-            <a:lvl2pPr marL="2087941" indent="0">
-              <a:buNone/>
-              <a:defRPr sz="5500"/>
+            <a:lvl2pPr marL="1476174" indent="0">
+              <a:buNone/>
+              <a:defRPr sz="3889"/>
             </a:lvl2pPr>
-            <a:lvl3pPr marL="4175882" indent="0">
-              <a:buNone/>
-              <a:defRPr sz="4600"/>
+            <a:lvl3pPr marL="2952349" indent="0">
+              <a:buNone/>
+              <a:defRPr sz="3252"/>
             </a:lvl3pPr>
-            <a:lvl4pPr marL="6263823" indent="0">
-              <a:buNone/>
-              <a:defRPr sz="4100"/>
+            <a:lvl4pPr marL="4428523" indent="0">
+              <a:buNone/>
+              <a:defRPr sz="2899"/>
             </a:lvl4pPr>
-            <a:lvl5pPr marL="8351764" indent="0">
-              <a:buNone/>
-              <a:defRPr sz="4100"/>
+            <a:lvl5pPr marL="5904697" indent="0">
+              <a:buNone/>
+              <a:defRPr sz="2899"/>
             </a:lvl5pPr>
-            <a:lvl6pPr marL="10439705" indent="0">
-              <a:buNone/>
-              <a:defRPr sz="4100"/>
+            <a:lvl6pPr marL="7380871" indent="0">
+              <a:buNone/>
+              <a:defRPr sz="2899"/>
             </a:lvl6pPr>
-            <a:lvl7pPr marL="12527646" indent="0">
-              <a:buNone/>
-              <a:defRPr sz="4100"/>
+            <a:lvl7pPr marL="8857046" indent="0">
+              <a:buNone/>
+              <a:defRPr sz="2899"/>
             </a:lvl7pPr>
-            <a:lvl8pPr marL="14615587" indent="0">
-              <a:buNone/>
-              <a:defRPr sz="4100"/>
+            <a:lvl8pPr marL="10333220" indent="0">
+              <a:buNone/>
+              <a:defRPr sz="2899"/>
             </a:lvl8pPr>
-            <a:lvl9pPr marL="16703528" indent="0">
-              <a:buNone/>
-              <a:defRPr sz="4100"/>
+            <a:lvl9pPr marL="11809394" indent="0">
+              <a:buNone/>
+              <a:defRPr sz="2899"/>
             </a:lvl9pPr>
           </a:lstStyle>
           <a:p>
             <a:pPr lvl="0"/>
             <a:r>
-              <a:rPr lang="de-DE" smtClean="0"/>
+              <a:rPr lang="de-DE"/>
               <a:t>Mastertextformat bearbeiten</a:t>
             </a:r>
           </a:p>
@@ -2214,7 +2216,7 @@
           <a:p>
             <a:fld id="{657D396D-FE7A-7944-93B1-A4B3BD3979BA}" type="datetimeFigureOut">
               <a:rPr lang="de-DE" smtClean="0"/>
-              <a:t>29.10.2012</a:t>
+              <a:t>28.01.2018</a:t>
             </a:fld>
             <a:endParaRPr lang="de-DE"/>
           </a:p>
@@ -2271,7 +2273,7 @@
 </file>
 
 <file path=ppt/slideLayouts/slideLayout9.xml><?xml version="1.0" encoding="utf-8"?>
-<p:sldLayout xmlns:a="http://schemas.openxmlformats.org/drawingml/2006/main" xmlns:r="http://schemas.openxmlformats.org/officeDocument/2006/relationships" xmlns:mc="http://schemas.openxmlformats.org/markup-compatibility/2006" xmlns:mv="urn:schemas-microsoft-com:mac:vml" xmlns:p="http://schemas.openxmlformats.org/presentationml/2006/main" mc:Ignorable="mv" mc:PreserveAttributes="mv:*" type="picTx" preserve="1">
+<p:sldLayout xmlns:a="http://schemas.openxmlformats.org/drawingml/2006/main" xmlns:r="http://schemas.openxmlformats.org/officeDocument/2006/relationships" xmlns:p="http://schemas.openxmlformats.org/presentationml/2006/main" type="picTx" preserve="1">
   <p:cSld name="Bild mit Beschriftung">
     <p:spTree>
       <p:nvGrpSpPr>
@@ -2299,23 +2301,22 @@
         </p:nvSpPr>
         <p:spPr>
           <a:xfrm>
-            <a:off x="5934154" y="29962634"/>
-            <a:ext cx="18165128" cy="3537259"/>
+            <a:off x="4195697" y="21190427"/>
+            <a:ext cx="12843510" cy="2501650"/>
           </a:xfrm>
         </p:spPr>
         <p:txBody>
           <a:bodyPr anchor="b"/>
           <a:lstStyle>
             <a:lvl1pPr algn="l">
-              <a:defRPr sz="9100" b="1"/>
+              <a:defRPr sz="6434" b="1"/>
             </a:lvl1pPr>
           </a:lstStyle>
           <a:p>
             <a:r>
-              <a:rPr lang="de-DE" smtClean="0"/>
+              <a:rPr lang="de-DE"/>
               <a:t>Mastertitelformat bearbeiten</a:t>
             </a:r>
-            <a:endParaRPr lang="de-DE"/>
           </a:p>
         </p:txBody>
       </p:sp>
@@ -2331,8 +2332,8 @@
         </p:nvSpPr>
         <p:spPr>
           <a:xfrm>
-            <a:off x="5934154" y="3824595"/>
-            <a:ext cx="18165128" cy="25682258"/>
+            <a:off x="4195697" y="2704862"/>
+            <a:ext cx="12843510" cy="18163223"/>
           </a:xfrm>
         </p:spPr>
         <p:txBody>
@@ -2340,39 +2341,39 @@
           <a:lstStyle>
             <a:lvl1pPr marL="0" indent="0">
               <a:buNone/>
-              <a:defRPr sz="14600"/>
+              <a:defRPr sz="10322"/>
             </a:lvl1pPr>
-            <a:lvl2pPr marL="2087941" indent="0">
-              <a:buNone/>
-              <a:defRPr sz="12800"/>
+            <a:lvl2pPr marL="1476174" indent="0">
+              <a:buNone/>
+              <a:defRPr sz="9050"/>
             </a:lvl2pPr>
-            <a:lvl3pPr marL="4175882" indent="0">
-              <a:buNone/>
-              <a:defRPr sz="11000"/>
+            <a:lvl3pPr marL="2952349" indent="0">
+              <a:buNone/>
+              <a:defRPr sz="7777"/>
             </a:lvl3pPr>
-            <a:lvl4pPr marL="6263823" indent="0">
-              <a:buNone/>
-              <a:defRPr sz="9100"/>
+            <a:lvl4pPr marL="4428523" indent="0">
+              <a:buNone/>
+              <a:defRPr sz="6434"/>
             </a:lvl4pPr>
-            <a:lvl5pPr marL="8351764" indent="0">
-              <a:buNone/>
-              <a:defRPr sz="9100"/>
+            <a:lvl5pPr marL="5904697" indent="0">
+              <a:buNone/>
+              <a:defRPr sz="6434"/>
             </a:lvl5pPr>
-            <a:lvl6pPr marL="10439705" indent="0">
-              <a:buNone/>
-              <a:defRPr sz="9100"/>
+            <a:lvl6pPr marL="7380871" indent="0">
+              <a:buNone/>
+              <a:defRPr sz="6434"/>
             </a:lvl6pPr>
-            <a:lvl7pPr marL="12527646" indent="0">
-              <a:buNone/>
-              <a:defRPr sz="9100"/>
+            <a:lvl7pPr marL="8857046" indent="0">
+              <a:buNone/>
+              <a:defRPr sz="6434"/>
             </a:lvl7pPr>
-            <a:lvl8pPr marL="14615587" indent="0">
-              <a:buNone/>
-              <a:defRPr sz="9100"/>
+            <a:lvl8pPr marL="10333220" indent="0">
+              <a:buNone/>
+              <a:defRPr sz="6434"/>
             </a:lvl8pPr>
-            <a:lvl9pPr marL="16703528" indent="0">
-              <a:buNone/>
-              <a:defRPr sz="9100"/>
+            <a:lvl9pPr marL="11809394" indent="0">
+              <a:buNone/>
+              <a:defRPr sz="6434"/>
             </a:lvl9pPr>
           </a:lstStyle>
           <a:p>
@@ -2392,8 +2393,8 @@
         </p:nvSpPr>
         <p:spPr>
           <a:xfrm>
-            <a:off x="5934154" y="33499893"/>
-            <a:ext cx="18165128" cy="5023494"/>
+            <a:off x="4195697" y="23692077"/>
+            <a:ext cx="12843510" cy="3552758"/>
           </a:xfrm>
         </p:spPr>
         <p:txBody>
@@ -2401,45 +2402,45 @@
           <a:lstStyle>
             <a:lvl1pPr marL="0" indent="0">
               <a:buNone/>
-              <a:defRPr sz="6400"/>
+              <a:defRPr sz="4525"/>
             </a:lvl1pPr>
-            <a:lvl2pPr marL="2087941" indent="0">
-              <a:buNone/>
-              <a:defRPr sz="5500"/>
+            <a:lvl2pPr marL="1476174" indent="0">
+              <a:buNone/>
+              <a:defRPr sz="3889"/>
             </a:lvl2pPr>
-            <a:lvl3pPr marL="4175882" indent="0">
-              <a:buNone/>
-              <a:defRPr sz="4600"/>
+            <a:lvl3pPr marL="2952349" indent="0">
+              <a:buNone/>
+              <a:defRPr sz="3252"/>
             </a:lvl3pPr>
-            <a:lvl4pPr marL="6263823" indent="0">
-              <a:buNone/>
-              <a:defRPr sz="4100"/>
+            <a:lvl4pPr marL="4428523" indent="0">
+              <a:buNone/>
+              <a:defRPr sz="2899"/>
             </a:lvl4pPr>
-            <a:lvl5pPr marL="8351764" indent="0">
-              <a:buNone/>
-              <a:defRPr sz="4100"/>
+            <a:lvl5pPr marL="5904697" indent="0">
+              <a:buNone/>
+              <a:defRPr sz="2899"/>
             </a:lvl5pPr>
-            <a:lvl6pPr marL="10439705" indent="0">
-              <a:buNone/>
-              <a:defRPr sz="4100"/>
+            <a:lvl6pPr marL="7380871" indent="0">
+              <a:buNone/>
+              <a:defRPr sz="2899"/>
             </a:lvl6pPr>
-            <a:lvl7pPr marL="12527646" indent="0">
-              <a:buNone/>
-              <a:defRPr sz="4100"/>
+            <a:lvl7pPr marL="8857046" indent="0">
+              <a:buNone/>
+              <a:defRPr sz="2899"/>
             </a:lvl7pPr>
-            <a:lvl8pPr marL="14615587" indent="0">
-              <a:buNone/>
-              <a:defRPr sz="4100"/>
+            <a:lvl8pPr marL="10333220" indent="0">
+              <a:buNone/>
+              <a:defRPr sz="2899"/>
             </a:lvl8pPr>
-            <a:lvl9pPr marL="16703528" indent="0">
-              <a:buNone/>
-              <a:defRPr sz="4100"/>
+            <a:lvl9pPr marL="11809394" indent="0">
+              <a:buNone/>
+              <a:defRPr sz="2899"/>
             </a:lvl9pPr>
           </a:lstStyle>
           <a:p>
             <a:pPr lvl="0"/>
             <a:r>
-              <a:rPr lang="de-DE" smtClean="0"/>
+              <a:rPr lang="de-DE"/>
               <a:t>Mastertextformat bearbeiten</a:t>
             </a:r>
           </a:p>
@@ -2462,7 +2463,7 @@
           <a:p>
             <a:fld id="{657D396D-FE7A-7944-93B1-A4B3BD3979BA}" type="datetimeFigureOut">
               <a:rPr lang="de-DE" smtClean="0"/>
-              <a:t>29.10.2012</a:t>
+              <a:t>28.01.2018</a:t>
             </a:fld>
             <a:endParaRPr lang="de-DE"/>
           </a:p>
@@ -2519,7 +2520,7 @@
 </file>
 
 <file path=ppt/slideMasters/slideMaster1.xml><?xml version="1.0" encoding="utf-8"?>
-<p:sldMaster xmlns:a="http://schemas.openxmlformats.org/drawingml/2006/main" xmlns:r="http://schemas.openxmlformats.org/officeDocument/2006/relationships" xmlns:mc="http://schemas.openxmlformats.org/markup-compatibility/2006" xmlns:mv="urn:schemas-microsoft-com:mac:vml" xmlns:p="http://schemas.openxmlformats.org/presentationml/2006/main" mc:Ignorable="mv" mc:PreserveAttributes="mv:*">
+<p:sldMaster xmlns:a="http://schemas.openxmlformats.org/drawingml/2006/main" xmlns:r="http://schemas.openxmlformats.org/officeDocument/2006/relationships" xmlns:p="http://schemas.openxmlformats.org/presentationml/2006/main">
   <p:cSld>
     <p:bg>
       <p:bgRef idx="1001">
@@ -2552,8 +2553,8 @@
         </p:nvSpPr>
         <p:spPr>
           <a:xfrm>
-            <a:off x="1513761" y="1714135"/>
-            <a:ext cx="27247692" cy="7133961"/>
+            <a:off x="1070293" y="1212285"/>
+            <a:ext cx="19265265" cy="5045340"/>
           </a:xfrm>
           <a:prstGeom prst="rect">
             <a:avLst/>
@@ -2566,10 +2567,9 @@
           <a:lstStyle/>
           <a:p>
             <a:r>
-              <a:rPr lang="de-DE" smtClean="0"/>
+              <a:rPr lang="de-DE"/>
               <a:t>Mastertitelformat bearbeiten</a:t>
             </a:r>
-            <a:endParaRPr lang="de-DE"/>
           </a:p>
         </p:txBody>
       </p:sp>
@@ -2585,8 +2585,8 @@
         </p:nvSpPr>
         <p:spPr>
           <a:xfrm>
-            <a:off x="1513761" y="9987548"/>
-            <a:ext cx="27247692" cy="28248505"/>
+            <a:off x="1070293" y="7063478"/>
+            <a:ext cx="19265265" cy="19978146"/>
           </a:xfrm>
           <a:prstGeom prst="rect">
             <a:avLst/>
@@ -2600,38 +2600,37 @@
           <a:p>
             <a:pPr lvl="0"/>
             <a:r>
-              <a:rPr lang="de-DE" smtClean="0"/>
+              <a:rPr lang="de-DE"/>
               <a:t>Mastertextformat bearbeiten</a:t>
             </a:r>
           </a:p>
           <a:p>
             <a:pPr lvl="1"/>
             <a:r>
-              <a:rPr lang="de-DE" smtClean="0"/>
+              <a:rPr lang="de-DE"/>
               <a:t>Zweite Ebene</a:t>
             </a:r>
           </a:p>
           <a:p>
             <a:pPr lvl="2"/>
             <a:r>
-              <a:rPr lang="de-DE" smtClean="0"/>
+              <a:rPr lang="de-DE"/>
               <a:t>Dritte Ebene</a:t>
             </a:r>
           </a:p>
           <a:p>
             <a:pPr lvl="3"/>
             <a:r>
-              <a:rPr lang="de-DE" smtClean="0"/>
+              <a:rPr lang="de-DE"/>
               <a:t>Vierte Ebene</a:t>
             </a:r>
           </a:p>
           <a:p>
             <a:pPr lvl="4"/>
             <a:r>
-              <a:rPr lang="de-DE" smtClean="0"/>
+              <a:rPr lang="de-DE"/>
               <a:t>Fünfte Ebene</a:t>
             </a:r>
-            <a:endParaRPr lang="de-DE"/>
           </a:p>
         </p:txBody>
       </p:sp>
@@ -2647,8 +2646,8 @@
         </p:nvSpPr>
         <p:spPr>
           <a:xfrm>
-            <a:off x="1513761" y="39672750"/>
-            <a:ext cx="7064216" cy="2278904"/>
+            <a:off x="1070293" y="28057696"/>
+            <a:ext cx="4994698" cy="1611706"/>
           </a:xfrm>
           <a:prstGeom prst="rect">
             <a:avLst/>
@@ -2658,7 +2657,7 @@
           <a:bodyPr vert="horz" lIns="417588" tIns="208794" rIns="417588" bIns="208794" rtlCol="0" anchor="ctr"/>
           <a:lstStyle>
             <a:lvl1pPr algn="l">
-              <a:defRPr sz="5500">
+              <a:defRPr sz="3889">
                 <a:solidFill>
                   <a:schemeClr val="tx1">
                     <a:tint val="75000"/>
@@ -2670,7 +2669,7 @@
           <a:p>
             <a:fld id="{657D396D-FE7A-7944-93B1-A4B3BD3979BA}" type="datetimeFigureOut">
               <a:rPr lang="de-DE" smtClean="0"/>
-              <a:t>29.10.2012</a:t>
+              <a:t>28.01.2018</a:t>
             </a:fld>
             <a:endParaRPr lang="de-DE"/>
           </a:p>
@@ -2688,8 +2687,8 @@
         </p:nvSpPr>
         <p:spPr>
           <a:xfrm>
-            <a:off x="10344031" y="39672750"/>
-            <a:ext cx="9587151" cy="2278904"/>
+            <a:off x="7313666" y="28057696"/>
+            <a:ext cx="6778519" cy="1611706"/>
           </a:xfrm>
           <a:prstGeom prst="rect">
             <a:avLst/>
@@ -2699,7 +2698,7 @@
           <a:bodyPr vert="horz" lIns="417588" tIns="208794" rIns="417588" bIns="208794" rtlCol="0" anchor="ctr"/>
           <a:lstStyle>
             <a:lvl1pPr algn="ctr">
-              <a:defRPr sz="5500">
+              <a:defRPr sz="3889">
                 <a:solidFill>
                   <a:schemeClr val="tx1">
                     <a:tint val="75000"/>
@@ -2725,8 +2724,8 @@
         </p:nvSpPr>
         <p:spPr>
           <a:xfrm>
-            <a:off x="21697236" y="39672750"/>
-            <a:ext cx="7064216" cy="2278904"/>
+            <a:off x="15340859" y="28057696"/>
+            <a:ext cx="4994698" cy="1611706"/>
           </a:xfrm>
           <a:prstGeom prst="rect">
             <a:avLst/>
@@ -2736,7 +2735,7 @@
           <a:bodyPr vert="horz" lIns="417588" tIns="208794" rIns="417588" bIns="208794" rtlCol="0" anchor="ctr"/>
           <a:lstStyle>
             <a:lvl1pPr algn="r">
-              <a:defRPr sz="5500">
+              <a:defRPr sz="3889">
                 <a:solidFill>
                   <a:schemeClr val="tx1">
                     <a:tint val="75000"/>
@@ -2758,26 +2757,26 @@
   </p:cSld>
   <p:clrMap bg1="lt1" tx1="dk1" bg2="lt2" tx2="dk2" accent1="accent1" accent2="accent2" accent3="accent3" accent4="accent4" accent5="accent5" accent6="accent6" hlink="hlink" folHlink="folHlink"/>
   <p:sldLayoutIdLst>
-    <p:sldLayoutId r:id="rId1"/>
-    <p:sldLayoutId r:id="rId2"/>
-    <p:sldLayoutId r:id="rId3"/>
-    <p:sldLayoutId r:id="rId4"/>
-    <p:sldLayoutId r:id="rId5"/>
-    <p:sldLayoutId r:id="rId6"/>
-    <p:sldLayoutId r:id="rId7"/>
-    <p:sldLayoutId r:id="rId8"/>
-    <p:sldLayoutId r:id="rId9"/>
-    <p:sldLayoutId r:id="rId10"/>
-    <p:sldLayoutId r:id="rId11"/>
+    <p:sldLayoutId id="2147483649" r:id="rId1"/>
+    <p:sldLayoutId id="2147483650" r:id="rId2"/>
+    <p:sldLayoutId id="2147483651" r:id="rId3"/>
+    <p:sldLayoutId id="2147483652" r:id="rId4"/>
+    <p:sldLayoutId id="2147483653" r:id="rId5"/>
+    <p:sldLayoutId id="2147483654" r:id="rId6"/>
+    <p:sldLayoutId id="2147483655" r:id="rId7"/>
+    <p:sldLayoutId id="2147483656" r:id="rId8"/>
+    <p:sldLayoutId id="2147483657" r:id="rId9"/>
+    <p:sldLayoutId id="2147483658" r:id="rId10"/>
+    <p:sldLayoutId id="2147483659" r:id="rId11"/>
   </p:sldLayoutIdLst>
   <p:txStyles>
     <p:titleStyle>
-      <a:lvl1pPr algn="ctr" defTabSz="2087941" rtl="0" eaLnBrk="1" latinLnBrk="0" hangingPunct="1">
+      <a:lvl1pPr algn="ctr" defTabSz="1476174" rtl="0" eaLnBrk="1" latinLnBrk="0" hangingPunct="1">
         <a:spcBef>
           <a:spcPct val="0"/>
         </a:spcBef>
         <a:buNone/>
-        <a:defRPr sz="20100" kern="1200">
+        <a:defRPr sz="14211" kern="1200">
           <a:solidFill>
             <a:schemeClr val="tx1"/>
           </a:solidFill>
@@ -2788,13 +2787,13 @@
       </a:lvl1pPr>
     </p:titleStyle>
     <p:bodyStyle>
-      <a:lvl1pPr marL="1565956" indent="-1565956" algn="l" defTabSz="2087941" rtl="0" eaLnBrk="1" latinLnBrk="0" hangingPunct="1">
+      <a:lvl1pPr marL="1107131" indent="-1107131" algn="l" defTabSz="1476174" rtl="0" eaLnBrk="1" latinLnBrk="0" hangingPunct="1">
         <a:spcBef>
           <a:spcPct val="20000"/>
         </a:spcBef>
         <a:buFont typeface="Arial"/>
         <a:buChar char="•"/>
-        <a:defRPr sz="14600" kern="1200">
+        <a:defRPr sz="10322" kern="1200">
           <a:solidFill>
             <a:schemeClr val="tx1"/>
           </a:solidFill>
@@ -2803,13 +2802,13 @@
           <a:cs typeface="+mn-cs"/>
         </a:defRPr>
       </a:lvl1pPr>
-      <a:lvl2pPr marL="3392904" indent="-1304963" algn="l" defTabSz="2087941" rtl="0" eaLnBrk="1" latinLnBrk="0" hangingPunct="1">
+      <a:lvl2pPr marL="2398783" indent="-922609" algn="l" defTabSz="1476174" rtl="0" eaLnBrk="1" latinLnBrk="0" hangingPunct="1">
         <a:spcBef>
           <a:spcPct val="20000"/>
         </a:spcBef>
         <a:buFont typeface="Arial"/>
         <a:buChar char="–"/>
-        <a:defRPr sz="12800" kern="1200">
+        <a:defRPr sz="9050" kern="1200">
           <a:solidFill>
             <a:schemeClr val="tx1"/>
           </a:solidFill>
@@ -2818,13 +2817,13 @@
           <a:cs typeface="+mn-cs"/>
         </a:defRPr>
       </a:lvl2pPr>
-      <a:lvl3pPr marL="5219852" indent="-1043970" algn="l" defTabSz="2087941" rtl="0" eaLnBrk="1" latinLnBrk="0" hangingPunct="1">
+      <a:lvl3pPr marL="3690435" indent="-738087" algn="l" defTabSz="1476174" rtl="0" eaLnBrk="1" latinLnBrk="0" hangingPunct="1">
         <a:spcBef>
           <a:spcPct val="20000"/>
         </a:spcBef>
         <a:buFont typeface="Arial"/>
         <a:buChar char="•"/>
-        <a:defRPr sz="11000" kern="1200">
+        <a:defRPr sz="7777" kern="1200">
           <a:solidFill>
             <a:schemeClr val="tx1"/>
           </a:solidFill>
@@ -2833,13 +2832,13 @@
           <a:cs typeface="+mn-cs"/>
         </a:defRPr>
       </a:lvl3pPr>
-      <a:lvl4pPr marL="7307793" indent="-1043970" algn="l" defTabSz="2087941" rtl="0" eaLnBrk="1" latinLnBrk="0" hangingPunct="1">
+      <a:lvl4pPr marL="5166610" indent="-738087" algn="l" defTabSz="1476174" rtl="0" eaLnBrk="1" latinLnBrk="0" hangingPunct="1">
         <a:spcBef>
           <a:spcPct val="20000"/>
         </a:spcBef>
         <a:buFont typeface="Arial"/>
         <a:buChar char="–"/>
-        <a:defRPr sz="9100" kern="1200">
+        <a:defRPr sz="6434" kern="1200">
           <a:solidFill>
             <a:schemeClr val="tx1"/>
           </a:solidFill>
@@ -2848,13 +2847,13 @@
           <a:cs typeface="+mn-cs"/>
         </a:defRPr>
       </a:lvl4pPr>
-      <a:lvl5pPr marL="9395734" indent="-1043970" algn="l" defTabSz="2087941" rtl="0" eaLnBrk="1" latinLnBrk="0" hangingPunct="1">
+      <a:lvl5pPr marL="6642784" indent="-738087" algn="l" defTabSz="1476174" rtl="0" eaLnBrk="1" latinLnBrk="0" hangingPunct="1">
         <a:spcBef>
           <a:spcPct val="20000"/>
         </a:spcBef>
         <a:buFont typeface="Arial"/>
         <a:buChar char="»"/>
-        <a:defRPr sz="9100" kern="1200">
+        <a:defRPr sz="6434" kern="1200">
           <a:solidFill>
             <a:schemeClr val="tx1"/>
           </a:solidFill>
@@ -2863,13 +2862,13 @@
           <a:cs typeface="+mn-cs"/>
         </a:defRPr>
       </a:lvl5pPr>
-      <a:lvl6pPr marL="11483675" indent="-1043970" algn="l" defTabSz="2087941" rtl="0" eaLnBrk="1" latinLnBrk="0" hangingPunct="1">
+      <a:lvl6pPr marL="8118958" indent="-738087" algn="l" defTabSz="1476174" rtl="0" eaLnBrk="1" latinLnBrk="0" hangingPunct="1">
         <a:spcBef>
           <a:spcPct val="20000"/>
         </a:spcBef>
         <a:buFont typeface="Arial"/>
         <a:buChar char="•"/>
-        <a:defRPr sz="9100" kern="1200">
+        <a:defRPr sz="6434" kern="1200">
           <a:solidFill>
             <a:schemeClr val="tx1"/>
           </a:solidFill>
@@ -2878,13 +2877,13 @@
           <a:cs typeface="+mn-cs"/>
         </a:defRPr>
       </a:lvl6pPr>
-      <a:lvl7pPr marL="13571616" indent="-1043970" algn="l" defTabSz="2087941" rtl="0" eaLnBrk="1" latinLnBrk="0" hangingPunct="1">
+      <a:lvl7pPr marL="9595133" indent="-738087" algn="l" defTabSz="1476174" rtl="0" eaLnBrk="1" latinLnBrk="0" hangingPunct="1">
         <a:spcBef>
           <a:spcPct val="20000"/>
         </a:spcBef>
         <a:buFont typeface="Arial"/>
         <a:buChar char="•"/>
-        <a:defRPr sz="9100" kern="1200">
+        <a:defRPr sz="6434" kern="1200">
           <a:solidFill>
             <a:schemeClr val="tx1"/>
           </a:solidFill>
@@ -2893,13 +2892,13 @@
           <a:cs typeface="+mn-cs"/>
         </a:defRPr>
       </a:lvl7pPr>
-      <a:lvl8pPr marL="15659557" indent="-1043970" algn="l" defTabSz="2087941" rtl="0" eaLnBrk="1" latinLnBrk="0" hangingPunct="1">
+      <a:lvl8pPr marL="11071307" indent="-738087" algn="l" defTabSz="1476174" rtl="0" eaLnBrk="1" latinLnBrk="0" hangingPunct="1">
         <a:spcBef>
           <a:spcPct val="20000"/>
         </a:spcBef>
         <a:buFont typeface="Arial"/>
         <a:buChar char="•"/>
-        <a:defRPr sz="9100" kern="1200">
+        <a:defRPr sz="6434" kern="1200">
           <a:solidFill>
             <a:schemeClr val="tx1"/>
           </a:solidFill>
@@ -2908,13 +2907,13 @@
           <a:cs typeface="+mn-cs"/>
         </a:defRPr>
       </a:lvl8pPr>
-      <a:lvl9pPr marL="17747498" indent="-1043970" algn="l" defTabSz="2087941" rtl="0" eaLnBrk="1" latinLnBrk="0" hangingPunct="1">
+      <a:lvl9pPr marL="12547481" indent="-738087" algn="l" defTabSz="1476174" rtl="0" eaLnBrk="1" latinLnBrk="0" hangingPunct="1">
         <a:spcBef>
           <a:spcPct val="20000"/>
         </a:spcBef>
         <a:buFont typeface="Arial"/>
         <a:buChar char="•"/>
-        <a:defRPr sz="9100" kern="1200">
+        <a:defRPr sz="6434" kern="1200">
           <a:solidFill>
             <a:schemeClr val="tx1"/>
           </a:solidFill>
@@ -2928,8 +2927,8 @@
       <a:defPPr>
         <a:defRPr lang="de-DE"/>
       </a:defPPr>
-      <a:lvl1pPr marL="0" algn="l" defTabSz="2087941" rtl="0" eaLnBrk="1" latinLnBrk="0" hangingPunct="1">
-        <a:defRPr sz="8200" kern="1200">
+      <a:lvl1pPr marL="0" algn="l" defTabSz="1476174" rtl="0" eaLnBrk="1" latinLnBrk="0" hangingPunct="1">
+        <a:defRPr sz="5797" kern="1200">
           <a:solidFill>
             <a:schemeClr val="tx1"/>
           </a:solidFill>
@@ -2938,8 +2937,8 @@
           <a:cs typeface="+mn-cs"/>
         </a:defRPr>
       </a:lvl1pPr>
-      <a:lvl2pPr marL="2087941" algn="l" defTabSz="2087941" rtl="0" eaLnBrk="1" latinLnBrk="0" hangingPunct="1">
-        <a:defRPr sz="8200" kern="1200">
+      <a:lvl2pPr marL="1476174" algn="l" defTabSz="1476174" rtl="0" eaLnBrk="1" latinLnBrk="0" hangingPunct="1">
+        <a:defRPr sz="5797" kern="1200">
           <a:solidFill>
             <a:schemeClr val="tx1"/>
           </a:solidFill>
@@ -2948,8 +2947,8 @@
           <a:cs typeface="+mn-cs"/>
         </a:defRPr>
       </a:lvl2pPr>
-      <a:lvl3pPr marL="4175882" algn="l" defTabSz="2087941" rtl="0" eaLnBrk="1" latinLnBrk="0" hangingPunct="1">
-        <a:defRPr sz="8200" kern="1200">
+      <a:lvl3pPr marL="2952349" algn="l" defTabSz="1476174" rtl="0" eaLnBrk="1" latinLnBrk="0" hangingPunct="1">
+        <a:defRPr sz="5797" kern="1200">
           <a:solidFill>
             <a:schemeClr val="tx1"/>
           </a:solidFill>
@@ -2958,8 +2957,8 @@
           <a:cs typeface="+mn-cs"/>
         </a:defRPr>
       </a:lvl3pPr>
-      <a:lvl4pPr marL="6263823" algn="l" defTabSz="2087941" rtl="0" eaLnBrk="1" latinLnBrk="0" hangingPunct="1">
-        <a:defRPr sz="8200" kern="1200">
+      <a:lvl4pPr marL="4428523" algn="l" defTabSz="1476174" rtl="0" eaLnBrk="1" latinLnBrk="0" hangingPunct="1">
+        <a:defRPr sz="5797" kern="1200">
           <a:solidFill>
             <a:schemeClr val="tx1"/>
           </a:solidFill>
@@ -2968,8 +2967,8 @@
           <a:cs typeface="+mn-cs"/>
         </a:defRPr>
       </a:lvl4pPr>
-      <a:lvl5pPr marL="8351764" algn="l" defTabSz="2087941" rtl="0" eaLnBrk="1" latinLnBrk="0" hangingPunct="1">
-        <a:defRPr sz="8200" kern="1200">
+      <a:lvl5pPr marL="5904697" algn="l" defTabSz="1476174" rtl="0" eaLnBrk="1" latinLnBrk="0" hangingPunct="1">
+        <a:defRPr sz="5797" kern="1200">
           <a:solidFill>
             <a:schemeClr val="tx1"/>
           </a:solidFill>
@@ -2978,8 +2977,8 @@
           <a:cs typeface="+mn-cs"/>
         </a:defRPr>
       </a:lvl5pPr>
-      <a:lvl6pPr marL="10439705" algn="l" defTabSz="2087941" rtl="0" eaLnBrk="1" latinLnBrk="0" hangingPunct="1">
-        <a:defRPr sz="8200" kern="1200">
+      <a:lvl6pPr marL="7380871" algn="l" defTabSz="1476174" rtl="0" eaLnBrk="1" latinLnBrk="0" hangingPunct="1">
+        <a:defRPr sz="5797" kern="1200">
           <a:solidFill>
             <a:schemeClr val="tx1"/>
           </a:solidFill>
@@ -2988,8 +2987,8 @@
           <a:cs typeface="+mn-cs"/>
         </a:defRPr>
       </a:lvl6pPr>
-      <a:lvl7pPr marL="12527646" algn="l" defTabSz="2087941" rtl="0" eaLnBrk="1" latinLnBrk="0" hangingPunct="1">
-        <a:defRPr sz="8200" kern="1200">
+      <a:lvl7pPr marL="8857046" algn="l" defTabSz="1476174" rtl="0" eaLnBrk="1" latinLnBrk="0" hangingPunct="1">
+        <a:defRPr sz="5797" kern="1200">
           <a:solidFill>
             <a:schemeClr val="tx1"/>
           </a:solidFill>
@@ -2998,8 +2997,8 @@
           <a:cs typeface="+mn-cs"/>
         </a:defRPr>
       </a:lvl7pPr>
-      <a:lvl8pPr marL="14615587" algn="l" defTabSz="2087941" rtl="0" eaLnBrk="1" latinLnBrk="0" hangingPunct="1">
-        <a:defRPr sz="8200" kern="1200">
+      <a:lvl8pPr marL="10333220" algn="l" defTabSz="1476174" rtl="0" eaLnBrk="1" latinLnBrk="0" hangingPunct="1">
+        <a:defRPr sz="5797" kern="1200">
           <a:solidFill>
             <a:schemeClr val="tx1"/>
           </a:solidFill>
@@ -3008,8 +3007,8 @@
           <a:cs typeface="+mn-cs"/>
         </a:defRPr>
       </a:lvl8pPr>
-      <a:lvl9pPr marL="16703528" algn="l" defTabSz="2087941" rtl="0" eaLnBrk="1" latinLnBrk="0" hangingPunct="1">
-        <a:defRPr sz="8200" kern="1200">
+      <a:lvl9pPr marL="11809394" algn="l" defTabSz="1476174" rtl="0" eaLnBrk="1" latinLnBrk="0" hangingPunct="1">
+        <a:defRPr sz="5797" kern="1200">
           <a:solidFill>
             <a:schemeClr val="tx1"/>
           </a:solidFill>
@@ -3024,7 +3023,7 @@
 </file>
 
 <file path=ppt/slides/slide1.xml><?xml version="1.0" encoding="utf-8"?>
-<p:sld xmlns:a="http://schemas.openxmlformats.org/drawingml/2006/main" xmlns:r="http://schemas.openxmlformats.org/officeDocument/2006/relationships" xmlns:mc="http://schemas.openxmlformats.org/markup-compatibility/2006" xmlns:mv="urn:schemas-microsoft-com:mac:vml" xmlns:p="http://schemas.openxmlformats.org/presentationml/2006/main" mc:Ignorable="mv" mc:PreserveAttributes="mv:*">
+<p:sld xmlns:a="http://schemas.openxmlformats.org/drawingml/2006/main" xmlns:r="http://schemas.openxmlformats.org/officeDocument/2006/relationships" xmlns:p="http://schemas.openxmlformats.org/presentationml/2006/main">
   <p:cSld>
     <p:spTree>
       <p:nvGrpSpPr>
@@ -3048,8 +3047,8 @@
           </p:cNvPicPr>
           <p:nvPr/>
         </p:nvPicPr>
-        <mc:AlternateContent>
-          <mc:Choice xmlns:ma="http://schemas.microsoft.com/office/mac/drawingml/2008/main" Requires="ma">
+        <mc:AlternateContent xmlns:mc="http://schemas.openxmlformats.org/markup-compatibility/2006">
+          <mc:Choice xmlns:ma="http://schemas.microsoft.com/office/mac/drawingml/2008/main" xmlns:mv="urn:schemas-microsoft-com:mac:vml" xmlns="" Requires="ma">
             <p:blipFill>
               <a:blip r:embed="rId2"/>
               <a:stretch>
@@ -3068,8 +3067,8 @@
         </mc:AlternateContent>
         <p:spPr>
           <a:xfrm>
-            <a:off x="0" y="0"/>
-            <a:ext cx="30289500" cy="6134100"/>
+            <a:off x="0" y="3988"/>
+            <a:ext cx="21415952" cy="4337067"/>
           </a:xfrm>
           <a:prstGeom prst="rect">
             <a:avLst/>
@@ -3081,13 +3080,6 @@
   <p:clrMapOvr>
     <a:masterClrMapping/>
   </p:clrMapOvr>
-  <p:timing>
-    <p:tnLst>
-      <p:par>
-        <p:cTn id="1" dur="indefinite" restart="never" nodeType="tmRoot"/>
-      </p:par>
-    </p:tnLst>
-  </p:timing>
 </p:sld>
 </file>
 
